--- a/network-analytics-final/powerpoint/Network Analysis - MLE Capstone Presentation_v07.pptx
+++ b/network-analytics-final/powerpoint/Network Analysis - MLE Capstone Presentation_v07.pptx
@@ -347,7 +347,7 @@
       </p15:notesGuideLst>
     </p:ext>
     <p:ext uri="http://customooxmlschemas.google.com/">
-      <go:slidesCustomData xmlns="" xmlns:mc="http://schemas.openxmlformats.org/markup-compatibility/2006" xmlns:mv="urn:schemas-microsoft-com:mac:vml" xmlns:c="http://schemas.openxmlformats.org/drawingml/2006/chart" xmlns:dgm="http://schemas.openxmlformats.org/drawingml/2006/diagram" xmlns:o="urn:schemas-microsoft-com:office:office" xmlns:v="urn:schemas-microsoft-com:vml" xmlns:pvml="urn:schemas-microsoft-com:office:powerpoint" xmlns:com="http://schemas.openxmlformats.org/drawingml/2006/compatibility" xmlns:p14="http://schemas.microsoft.com/office/powerpoint/2010/main" xmlns:p15="http://schemas.microsoft.com/office/powerpoint/2012/main" xmlns:ahyp="http://schemas.microsoft.com/office/drawing/2018/hyperlinkcolor" xmlns:go="http://customooxmlschemas.google.com/" r:id="rId56" roundtripDataSignature="AMtx7miYcyAUIkQHKs4Ne0oM4jMUNFjmHA=="/>
+      <go:slidesCustomData xmlns:go="http://customooxmlschemas.google.com/" xmlns:ahyp="http://schemas.microsoft.com/office/drawing/2018/hyperlinkcolor" xmlns:p15="http://schemas.microsoft.com/office/powerpoint/2012/main" xmlns:p14="http://schemas.microsoft.com/office/powerpoint/2010/main" xmlns:com="http://schemas.openxmlformats.org/drawingml/2006/compatibility" xmlns:pvml="urn:schemas-microsoft-com:office:powerpoint" xmlns:v="urn:schemas-microsoft-com:vml" xmlns:o="urn:schemas-microsoft-com:office:office" xmlns:dgm="http://schemas.openxmlformats.org/drawingml/2006/diagram" xmlns:c="http://schemas.openxmlformats.org/drawingml/2006/chart" xmlns:mv="urn:schemas-microsoft-com:mac:vml" xmlns:mc="http://schemas.openxmlformats.org/markup-compatibility/2006" xmlns="" r:id="rId56" roundtripDataSignature="AMtx7miYcyAUIkQHKs4Ne0oM4jMUNFjmHA=="/>
     </p:ext>
   </p:extLst>
 </p:presentation>
@@ -13987,6 +13987,10 @@
           </p:nvPr>
         </p:nvSpPr>
         <p:spPr>
+          <a:xfrm>
+            <a:off x="304800" y="421350"/>
+            <a:ext cx="8520600" cy="572700"/>
+          </a:xfrm>
           <a:prstGeom prst="rect">
             <a:avLst/>
           </a:prstGeom>
@@ -26412,6 +26416,42 @@
           </a:p>
         </p:txBody>
       </p:sp>
+      <p:pic>
+        <p:nvPicPr>
+          <p:cNvPr id="2" name="Graphic 1">
+            <a:extLst>
+              <a:ext uri="{FF2B5EF4-FFF2-40B4-BE49-F238E27FC236}">
+                <a16:creationId xmlns:a16="http://schemas.microsoft.com/office/drawing/2014/main" id="{275887CF-1675-2A51-4966-0D330FC61F1E}"/>
+              </a:ext>
+            </a:extLst>
+          </p:cNvPr>
+          <p:cNvPicPr>
+            <a:picLocks noChangeAspect="1"/>
+          </p:cNvPicPr>
+          <p:nvPr/>
+        </p:nvPicPr>
+        <p:blipFill>
+          <a:blip r:embed="rId12">
+            <a:extLst>
+              <a:ext uri="{96DAC541-7B7A-43D3-8B79-37D633B846F1}">
+                <asvg:svgBlip xmlns:asvg="http://schemas.microsoft.com/office/drawing/2016/SVG/main" r:embed="rId13"/>
+              </a:ext>
+            </a:extLst>
+          </a:blip>
+          <a:stretch>
+            <a:fillRect/>
+          </a:stretch>
+        </p:blipFill>
+        <p:spPr>
+          <a:xfrm>
+            <a:off x="3040951" y="2936291"/>
+            <a:ext cx="530863" cy="489774"/>
+          </a:xfrm>
+          <a:prstGeom prst="rect">
+            <a:avLst/>
+          </a:prstGeom>
+        </p:spPr>
+      </p:pic>
     </p:spTree>
     <p:extLst>
       <p:ext uri="{BB962C8B-B14F-4D97-AF65-F5344CB8AC3E}">

--- a/network-analytics-final/powerpoint/Network Analysis - MLE Capstone Presentation_v07.pptx
+++ b/network-analytics-final/powerpoint/Network Analysis - MLE Capstone Presentation_v07.pptx
@@ -13239,8 +13239,8 @@
         </p:nvSpPr>
         <p:spPr>
           <a:xfrm>
-            <a:off x="1504604" y="1554479"/>
-            <a:ext cx="5685905" cy="789709"/>
+            <a:off x="311700" y="1162050"/>
+            <a:ext cx="8527500" cy="3390899"/>
           </a:xfrm>
           <a:prstGeom prst="rect">
             <a:avLst/>
@@ -13264,7 +13264,96 @@
                   <a:schemeClr val="bg1"/>
                 </a:solidFill>
               </a:rPr>
-              <a:t>Include here a ’capture’ of what we will show in the demo, with a very brief description of the output and how it works.  </a:t>
+              <a:t>Include here a ’capture’ of what we will show in the demo, with a very brief description of the output and </a:t>
+            </a:r>
+            <a:r>
+              <a:rPr lang="en-US" dirty="0">
+                <a:solidFill>
+                  <a:srgbClr val="0070C0"/>
+                </a:solidFill>
+              </a:rPr>
+              <a:t>The demo we have deployed, tries to replicates the end user’s experience with our application.</a:t>
+            </a:r>
+          </a:p>
+          <a:p>
+            <a:endParaRPr lang="en-US" dirty="0">
+              <a:solidFill>
+                <a:srgbClr val="0070C0"/>
+              </a:solidFill>
+            </a:endParaRPr>
+          </a:p>
+          <a:p>
+            <a:r>
+              <a:rPr lang="en-US" dirty="0">
+                <a:solidFill>
+                  <a:srgbClr val="0070C0"/>
+                </a:solidFill>
+              </a:rPr>
+              <a:t>The client receives an alert that a network attack is on-going:</a:t>
+            </a:r>
+          </a:p>
+          <a:p>
+            <a:pPr marL="285750" lvl="2" indent="-285750">
+              <a:buFont typeface="Courier New" panose="02070309020205020404" pitchFamily="49" charset="0"/>
+              <a:buChar char="o"/>
+            </a:pPr>
+            <a:r>
+              <a:rPr lang="en-US" dirty="0">
+                <a:solidFill>
+                  <a:srgbClr val="0070C0"/>
+                </a:solidFill>
+              </a:rPr>
+              <a:t>Email to network engineers / network administrators,</a:t>
+            </a:r>
+          </a:p>
+          <a:p>
+            <a:pPr marL="285750" lvl="2" indent="-285750">
+              <a:buFont typeface="Courier New" panose="02070309020205020404" pitchFamily="49" charset="0"/>
+              <a:buChar char="o"/>
+            </a:pPr>
+            <a:r>
+              <a:rPr lang="en-US" dirty="0">
+                <a:solidFill>
+                  <a:srgbClr val="0070C0"/>
+                </a:solidFill>
+              </a:rPr>
+              <a:t>Alert on a dashboard and, potentially</a:t>
+            </a:r>
+          </a:p>
+          <a:p>
+            <a:pPr marL="285750" lvl="2" indent="-285750">
+              <a:buFont typeface="Courier New" panose="02070309020205020404" pitchFamily="49" charset="0"/>
+              <a:buChar char="o"/>
+            </a:pPr>
+            <a:r>
+              <a:rPr lang="en-US" dirty="0">
+                <a:solidFill>
+                  <a:srgbClr val="0070C0"/>
+                </a:solidFill>
+              </a:rPr>
+              <a:t>Some automated measures to reduce impact of attack.</a:t>
+            </a:r>
+          </a:p>
+          <a:p>
+            <a:pPr marL="285750" lvl="2" indent="-285750">
+              <a:buFont typeface="Courier New" panose="02070309020205020404" pitchFamily="49" charset="0"/>
+              <a:buChar char="o"/>
+            </a:pPr>
+            <a:endParaRPr lang="en-US" dirty="0">
+              <a:solidFill>
+                <a:srgbClr val="0070C0"/>
+              </a:solidFill>
+            </a:endParaRPr>
+          </a:p>
+          <a:p>
+            <a:pPr lvl="2"/>
+            <a:r>
+              <a:rPr lang="en-US" dirty="0">
+                <a:solidFill>
+                  <a:srgbClr val="0070C0"/>
+                </a:solidFill>
+              </a:rPr>
+              <a:t>The client not only receives the alert, but also a description of the type of attack.</a:t>
             </a:r>
           </a:p>
         </p:txBody>
@@ -13358,8 +13447,8 @@
         </p:nvSpPr>
         <p:spPr>
           <a:xfrm>
-            <a:off x="311700" y="1152475"/>
-            <a:ext cx="8520600" cy="3416400"/>
+            <a:off x="311700" y="1162049"/>
+            <a:ext cx="8520600" cy="3390901"/>
           </a:xfrm>
           <a:prstGeom prst="rect">
             <a:avLst/>
@@ -13421,7 +13510,7 @@
                 <a:latin typeface="Arial" panose="020B0604020202020204" pitchFamily="34" charset="0"/>
                 <a:cs typeface="Arial" panose="020B0604020202020204" pitchFamily="34" charset="0"/>
               </a:rPr>
-              <a:t>, Databricks environment,</a:t>
+              <a:t>, Databricks environment.</a:t>
             </a:r>
           </a:p>
           <a:p>
@@ -13445,6 +13534,39 @@
                 <a:cs typeface="Arial" panose="020B0604020202020204" pitchFamily="34" charset="0"/>
               </a:rPr>
               <a:t>Data drift analysis with a robust DevOps, CICD deployment.</a:t>
+            </a:r>
+          </a:p>
+          <a:p>
+            <a:pPr>
+              <a:buFont typeface="Arial" panose="020B0604020202020204" pitchFamily="34" charset="0"/>
+              <a:buChar char="•"/>
+            </a:pPr>
+            <a:endParaRPr lang="en-US" sz="1400" dirty="0">
+              <a:latin typeface="Arial" panose="020B0604020202020204" pitchFamily="34" charset="0"/>
+              <a:cs typeface="Arial" panose="020B0604020202020204" pitchFamily="34" charset="0"/>
+            </a:endParaRPr>
+          </a:p>
+          <a:p>
+            <a:pPr>
+              <a:buFont typeface="Arial" panose="020B0604020202020204" pitchFamily="34" charset="0"/>
+              <a:buChar char="•"/>
+            </a:pPr>
+            <a:endParaRPr lang="en-US" sz="1400" dirty="0">
+              <a:latin typeface="Arial" panose="020B0604020202020204" pitchFamily="34" charset="0"/>
+              <a:cs typeface="Arial" panose="020B0604020202020204" pitchFamily="34" charset="0"/>
+            </a:endParaRPr>
+          </a:p>
+          <a:p>
+            <a:pPr>
+              <a:buFont typeface="Arial" panose="020B0604020202020204" pitchFamily="34" charset="0"/>
+              <a:buChar char="•"/>
+            </a:pPr>
+            <a:r>
+              <a:rPr lang="en-US" sz="1400" dirty="0">
+                <a:latin typeface="Arial" panose="020B0604020202020204" pitchFamily="34" charset="0"/>
+                <a:cs typeface="Arial" panose="020B0604020202020204" pitchFamily="34" charset="0"/>
+              </a:rPr>
+              <a:t>Compare further the running cost of one-step classification vs two-step classification.</a:t>
             </a:r>
           </a:p>
           <a:p>
@@ -13548,18 +13670,41 @@
           <a:lstStyle/>
           <a:p>
             <a:r>
-              <a:rPr lang="en-US" sz="3200" dirty="0"/>
+              <a:rPr lang="en-US" sz="3200" dirty="0">
+                <a:solidFill>
+                  <a:srgbClr val="0070C0"/>
+                </a:solidFill>
+              </a:rPr>
               <a:t>Thank You! </a:t>
             </a:r>
             <a:br>
-              <a:rPr lang="en-US" sz="3200" dirty="0"/>
+              <a:rPr lang="en-US" sz="3200" dirty="0">
+                <a:solidFill>
+                  <a:srgbClr val="0070C0"/>
+                </a:solidFill>
+              </a:rPr>
             </a:br>
-            <a:r>
-              <a:rPr lang="en-US" sz="3200" dirty="0"/>
-              <a:t>Any Questions?</a:t>
-            </a:r>
             <a:br>
-              <a:rPr lang="en-US" sz="3200" dirty="0"/>
+              <a:rPr lang="en-US" sz="3200" dirty="0">
+                <a:solidFill>
+                  <a:srgbClr val="0070C0"/>
+                </a:solidFill>
+              </a:rPr>
+            </a:br>
+            <a:r>
+              <a:rPr lang="en-US" sz="3200" dirty="0">
+                <a:solidFill>
+                  <a:srgbClr val="0070C0"/>
+                </a:solidFill>
+              </a:rPr>
+              <a:t>We are now looking forward to your Questions</a:t>
+            </a:r>
+            <a:br>
+              <a:rPr lang="en-US" sz="3200" dirty="0">
+                <a:solidFill>
+                  <a:srgbClr val="0070C0"/>
+                </a:solidFill>
+              </a:rPr>
             </a:br>
             <a:br>
               <a:rPr lang="en-US" sz="1800" dirty="0"/>
@@ -13579,9 +13724,6 @@
             </a:r>
             <a:r>
               <a:rPr lang="en-US" sz="1800" dirty="0" err="1">
-                <a:highlight>
-                  <a:srgbClr val="FFFF00"/>
-                </a:highlight>
                 <a:latin typeface="Arial" panose="020B0604020202020204" pitchFamily="34" charset="0"/>
                 <a:cs typeface="Arial" panose="020B0604020202020204" pitchFamily="34" charset="0"/>
               </a:rPr>
@@ -13589,9 +13731,6 @@
             </a:r>
             <a:r>
               <a:rPr lang="en-US" sz="1800" dirty="0">
-                <a:highlight>
-                  <a:srgbClr val="FFFF00"/>
-                </a:highlight>
                 <a:latin typeface="Arial" panose="020B0604020202020204" pitchFamily="34" charset="0"/>
                 <a:cs typeface="Arial" panose="020B0604020202020204" pitchFamily="34" charset="0"/>
               </a:rPr>
@@ -13599,9 +13738,6 @@
             </a:r>
             <a:r>
               <a:rPr lang="en-US" sz="1800" dirty="0" err="1">
-                <a:highlight>
-                  <a:srgbClr val="FFFF00"/>
-                </a:highlight>
                 <a:latin typeface="Arial" panose="020B0604020202020204" pitchFamily="34" charset="0"/>
                 <a:cs typeface="Arial" panose="020B0604020202020204" pitchFamily="34" charset="0"/>
               </a:rPr>
@@ -13609,9 +13745,6 @@
             </a:r>
             <a:r>
               <a:rPr lang="en-US" sz="1800" dirty="0">
-                <a:highlight>
-                  <a:srgbClr val="FFFF00"/>
-                </a:highlight>
                 <a:latin typeface="Arial" panose="020B0604020202020204" pitchFamily="34" charset="0"/>
                 <a:cs typeface="Arial" panose="020B0604020202020204" pitchFamily="34" charset="0"/>
               </a:rPr>
@@ -13619,9 +13752,6 @@
             </a:r>
             <a:r>
               <a:rPr lang="en-US" sz="1800" dirty="0" err="1">
-                <a:highlight>
-                  <a:srgbClr val="FFFF00"/>
-                </a:highlight>
                 <a:latin typeface="Arial" panose="020B0604020202020204" pitchFamily="34" charset="0"/>
                 <a:cs typeface="Arial" panose="020B0604020202020204" pitchFamily="34" charset="0"/>
               </a:rPr>
@@ -13629,9 +13759,6 @@
             </a:r>
             <a:r>
               <a:rPr lang="en-US" sz="1800" dirty="0">
-                <a:highlight>
-                  <a:srgbClr val="FFFF00"/>
-                </a:highlight>
                 <a:latin typeface="Arial" panose="020B0604020202020204" pitchFamily="34" charset="0"/>
                 <a:cs typeface="Arial" panose="020B0604020202020204" pitchFamily="34" charset="0"/>
               </a:rPr>
@@ -13639,28 +13766,18 @@
             </a:r>
             <a:br>
               <a:rPr lang="en-US" sz="1800" dirty="0">
-                <a:highlight>
-                  <a:srgbClr val="FFFF00"/>
-                </a:highlight>
                 <a:latin typeface="Arial" panose="020B0604020202020204" pitchFamily="34" charset="0"/>
                 <a:cs typeface="Arial" panose="020B0604020202020204" pitchFamily="34" charset="0"/>
               </a:rPr>
             </a:br>
             <a:r>
               <a:rPr lang="en-US" sz="1800" dirty="0">
-                <a:highlight>
-                  <a:srgbClr val="FFFF00"/>
-                </a:highlight>
                 <a:latin typeface="Arial" panose="020B0604020202020204" pitchFamily="34" charset="0"/>
                 <a:cs typeface="Arial" panose="020B0604020202020204" pitchFamily="34" charset="0"/>
               </a:rPr>
               <a:t>[Demo: link to demo]</a:t>
             </a:r>
-            <a:endParaRPr dirty="0">
-              <a:highlight>
-                <a:srgbClr val="FFFF00"/>
-              </a:highlight>
-            </a:endParaRPr>
+            <a:endParaRPr dirty="0"/>
           </a:p>
         </p:txBody>
       </p:sp>
@@ -15583,6 +15700,10 @@
           </p:nvPr>
         </p:nvSpPr>
         <p:spPr>
+          <a:xfrm>
+            <a:off x="311700" y="1162049"/>
+            <a:ext cx="8520600" cy="3390901"/>
+          </a:xfrm>
           <a:prstGeom prst="rect">
             <a:avLst/>
           </a:prstGeom>
@@ -15751,41 +15872,6 @@
                 <a:cs typeface="Arial" panose="020B0604020202020204" pitchFamily="34" charset="0"/>
               </a:rPr>
               <a:t>Demo</a:t>
-            </a:r>
-          </a:p>
-          <a:p>
-            <a:pPr>
-              <a:lnSpc>
-                <a:spcPct val="100000"/>
-              </a:lnSpc>
-              <a:buFont typeface="Arial" panose="020B0604020202020204" pitchFamily="34" charset="0"/>
-              <a:buChar char="•"/>
-            </a:pPr>
-            <a:endParaRPr sz="1600" dirty="0">
-              <a:solidFill>
-                <a:schemeClr val="bg2"/>
-              </a:solidFill>
-              <a:latin typeface="Arial" panose="020B0604020202020204" pitchFamily="34" charset="0"/>
-              <a:cs typeface="Arial" panose="020B0604020202020204" pitchFamily="34" charset="0"/>
-            </a:endParaRPr>
-          </a:p>
-          <a:p>
-            <a:pPr>
-              <a:lnSpc>
-                <a:spcPct val="100000"/>
-              </a:lnSpc>
-              <a:buFont typeface="Arial" panose="020B0604020202020204" pitchFamily="34" charset="0"/>
-              <a:buChar char="•"/>
-            </a:pPr>
-            <a:r>
-              <a:rPr lang="en-US" sz="1600" dirty="0">
-                <a:solidFill>
-                  <a:schemeClr val="bg2"/>
-                </a:solidFill>
-                <a:latin typeface="Arial" panose="020B0604020202020204" pitchFamily="34" charset="0"/>
-                <a:cs typeface="Arial" panose="020B0604020202020204" pitchFamily="34" charset="0"/>
-              </a:rPr>
-              <a:t>Conclusions (and lessons learned)</a:t>
             </a:r>
           </a:p>
           <a:p>
@@ -20047,7 +20133,9 @@
             <a:r>
               <a:rPr lang="en-US" sz="1400" dirty="0">
                 <a:solidFill>
-                  <a:schemeClr val="bg1"/>
+                  <a:schemeClr val="tx2">
+                    <a:lumMod val="10000"/>
+                  </a:schemeClr>
                 </a:solidFill>
                 <a:latin typeface="Arial" panose="020B0604020202020204" pitchFamily="34" charset="0"/>
                 <a:cs typeface="Arial" panose="020B0604020202020204" pitchFamily="34" charset="0"/>
@@ -20057,7 +20145,9 @@
             <a:r>
               <a:rPr lang="en-US" sz="1400" dirty="0" err="1">
                 <a:solidFill>
-                  <a:schemeClr val="bg1"/>
+                  <a:schemeClr val="tx2">
+                    <a:lumMod val="10000"/>
+                  </a:schemeClr>
                 </a:solidFill>
                 <a:latin typeface="Arial" panose="020B0604020202020204" pitchFamily="34" charset="0"/>
                 <a:cs typeface="Arial" panose="020B0604020202020204" pitchFamily="34" charset="0"/>
@@ -20067,7 +20157,9 @@
             <a:r>
               <a:rPr lang="en-US" sz="1400" dirty="0">
                 <a:solidFill>
-                  <a:schemeClr val="bg1"/>
+                  <a:schemeClr val="tx2">
+                    <a:lumMod val="10000"/>
+                  </a:schemeClr>
                 </a:solidFill>
                 <a:latin typeface="Arial" panose="020B0604020202020204" pitchFamily="34" charset="0"/>
                 <a:cs typeface="Arial" panose="020B0604020202020204" pitchFamily="34" charset="0"/>
@@ -20076,7 +20168,9 @@
             </a:r>
             <a:endParaRPr sz="1400" dirty="0">
               <a:solidFill>
-                <a:schemeClr val="bg1"/>
+                <a:schemeClr val="tx2">
+                  <a:lumMod val="10000"/>
+                </a:schemeClr>
               </a:solidFill>
               <a:latin typeface="Arial" panose="020B0604020202020204" pitchFamily="34" charset="0"/>
               <a:cs typeface="Arial" panose="020B0604020202020204" pitchFamily="34" charset="0"/>

--- a/network-analytics-final/powerpoint/Network Analysis - MLE Capstone Presentation_v07.pptx
+++ b/network-analytics-final/powerpoint/Network Analysis - MLE Capstone Presentation_v07.pptx
@@ -5,7 +5,7 @@
     <p:sldMasterId id="2147483648" r:id="rId1"/>
   </p:sldMasterIdLst>
   <p:notesMasterIdLst>
-    <p:notesMasterId r:id="rId37"/>
+    <p:notesMasterId r:id="rId40"/>
   </p:notesMasterIdLst>
   <p:sldIdLst>
     <p:sldId id="257" r:id="rId2"/>
@@ -31,35 +31,38 @@
     <p:sldId id="300" r:id="rId22"/>
     <p:sldId id="295" r:id="rId23"/>
     <p:sldId id="309" r:id="rId24"/>
-    <p:sldId id="304" r:id="rId25"/>
-    <p:sldId id="269" r:id="rId26"/>
-    <p:sldId id="264" r:id="rId27"/>
-    <p:sldId id="268" r:id="rId28"/>
-    <p:sldId id="277" r:id="rId29"/>
-    <p:sldId id="283" r:id="rId30"/>
-    <p:sldId id="281" r:id="rId31"/>
-    <p:sldId id="282" r:id="rId32"/>
-    <p:sldId id="284" r:id="rId33"/>
-    <p:sldId id="276" r:id="rId34"/>
-    <p:sldId id="271" r:id="rId35"/>
-    <p:sldId id="270" r:id="rId36"/>
+    <p:sldId id="312" r:id="rId25"/>
+    <p:sldId id="313" r:id="rId26"/>
+    <p:sldId id="314" r:id="rId27"/>
+    <p:sldId id="304" r:id="rId28"/>
+    <p:sldId id="269" r:id="rId29"/>
+    <p:sldId id="264" r:id="rId30"/>
+    <p:sldId id="268" r:id="rId31"/>
+    <p:sldId id="277" r:id="rId32"/>
+    <p:sldId id="283" r:id="rId33"/>
+    <p:sldId id="281" r:id="rId34"/>
+    <p:sldId id="282" r:id="rId35"/>
+    <p:sldId id="284" r:id="rId36"/>
+    <p:sldId id="276" r:id="rId37"/>
+    <p:sldId id="271" r:id="rId38"/>
+    <p:sldId id="270" r:id="rId39"/>
   </p:sldIdLst>
   <p:sldSz cx="9144000" cy="5143500" type="screen16x9"/>
   <p:notesSz cx="6858000" cy="9144000"/>
   <p:embeddedFontLst>
     <p:embeddedFont>
       <p:font typeface="Proxima Nova" panose="02000506030000020004" pitchFamily="2" charset="0"/>
-      <p:regular r:id="rId38"/>
-      <p:bold r:id="rId39"/>
-      <p:italic r:id="rId40"/>
-      <p:boldItalic r:id="rId41"/>
+      <p:regular r:id="rId41"/>
+      <p:bold r:id="rId42"/>
+      <p:italic r:id="rId43"/>
+      <p:boldItalic r:id="rId44"/>
     </p:embeddedFont>
     <p:embeddedFont>
       <p:font typeface="Proxima Nova Semibold" panose="02000506030000020004" pitchFamily="2" charset="0"/>
-      <p:regular r:id="rId42"/>
-      <p:bold r:id="rId43"/>
-      <p:italic r:id="rId44"/>
-      <p:boldItalic r:id="rId45"/>
+      <p:regular r:id="rId45"/>
+      <p:bold r:id="rId46"/>
+      <p:italic r:id="rId47"/>
+      <p:boldItalic r:id="rId48"/>
     </p:embeddedFont>
   </p:embeddedFontLst>
   <p:defaultTextStyle>
@@ -341,7 +344,7 @@
       </p15:notesGuideLst>
     </p:ext>
     <p:ext uri="http://customooxmlschemas.google.com/">
-      <go:slidesCustomData xmlns="" xmlns:mc="http://schemas.openxmlformats.org/markup-compatibility/2006" xmlns:mv="urn:schemas-microsoft-com:mac:vml" xmlns:c="http://schemas.openxmlformats.org/drawingml/2006/chart" xmlns:dgm="http://schemas.openxmlformats.org/drawingml/2006/diagram" xmlns:o="urn:schemas-microsoft-com:office:office" xmlns:v="urn:schemas-microsoft-com:vml" xmlns:pvml="urn:schemas-microsoft-com:office:powerpoint" xmlns:com="http://schemas.openxmlformats.org/drawingml/2006/compatibility" xmlns:p14="http://schemas.microsoft.com/office/powerpoint/2010/main" xmlns:p15="http://schemas.microsoft.com/office/powerpoint/2012/main" xmlns:ahyp="http://schemas.microsoft.com/office/drawing/2018/hyperlinkcolor" xmlns:go="http://customooxmlschemas.google.com/" r:id="rId56" roundtripDataSignature="AMtx7miYcyAUIkQHKs4Ne0oM4jMUNFjmHA=="/>
+      <go:slidesCustomData xmlns:go="http://customooxmlschemas.google.com/" xmlns:ahyp="http://schemas.microsoft.com/office/drawing/2018/hyperlinkcolor" xmlns:p15="http://schemas.microsoft.com/office/powerpoint/2012/main" xmlns:p14="http://schemas.microsoft.com/office/powerpoint/2010/main" xmlns:com="http://schemas.openxmlformats.org/drawingml/2006/compatibility" xmlns:pvml="urn:schemas-microsoft-com:office:powerpoint" xmlns:v="urn:schemas-microsoft-com:vml" xmlns:o="urn:schemas-microsoft-com:office:office" xmlns:dgm="http://schemas.openxmlformats.org/drawingml/2006/diagram" xmlns:c="http://schemas.openxmlformats.org/drawingml/2006/chart" xmlns:mv="urn:schemas-microsoft-com:mac:vml" xmlns:mc="http://schemas.openxmlformats.org/markup-compatibility/2006" xmlns="" r:id="rId56" roundtripDataSignature="AMtx7miYcyAUIkQHKs4Ne0oM4jMUNFjmHA=="/>
     </p:ext>
   </p:extLst>
 </p:presentation>
@@ -3229,6 +3232,387 @@
   <p:cSld>
     <p:spTree>
       <p:nvGrpSpPr>
+        <p:cNvPr id="1" name="Shape 149"/>
+        <p:cNvGrpSpPr/>
+        <p:nvPr/>
+      </p:nvGrpSpPr>
+      <p:grpSpPr>
+        <a:xfrm>
+          <a:off x="0" y="0"/>
+          <a:ext cx="0" cy="0"/>
+          <a:chOff x="0" y="0"/>
+          <a:chExt cx="0" cy="0"/>
+        </a:xfrm>
+      </p:grpSpPr>
+      <p:sp>
+        <p:nvSpPr>
+          <p:cNvPr id="150" name="Google Shape;150;g133c1f20611_0_39:notes"/>
+          <p:cNvSpPr>
+            <a:spLocks noGrp="1" noRot="1" noChangeAspect="1"/>
+          </p:cNvSpPr>
+          <p:nvPr>
+            <p:ph type="sldImg" idx="2"/>
+          </p:nvPr>
+        </p:nvSpPr>
+        <p:spPr>
+          <a:xfrm>
+            <a:off x="381000" y="685800"/>
+            <a:ext cx="6096000" cy="3429000"/>
+          </a:xfrm>
+          <a:custGeom>
+            <a:avLst/>
+            <a:gdLst/>
+            <a:ahLst/>
+            <a:cxnLst/>
+            <a:rect l="l" t="t" r="r" b="b"/>
+            <a:pathLst>
+              <a:path w="120000" h="120000" extrusionOk="0">
+                <a:moveTo>
+                  <a:pt x="0" y="0"/>
+                </a:moveTo>
+                <a:lnTo>
+                  <a:pt x="120000" y="0"/>
+                </a:lnTo>
+                <a:lnTo>
+                  <a:pt x="120000" y="120000"/>
+                </a:lnTo>
+                <a:lnTo>
+                  <a:pt x="0" y="120000"/>
+                </a:lnTo>
+                <a:close/>
+              </a:path>
+            </a:pathLst>
+          </a:custGeom>
+          <a:noFill/>
+          <a:ln w="9525" cap="flat" cmpd="sng">
+            <a:solidFill>
+              <a:srgbClr val="000000"/>
+            </a:solidFill>
+            <a:prstDash val="solid"/>
+            <a:round/>
+            <a:headEnd type="none" w="sm" len="sm"/>
+            <a:tailEnd type="none" w="sm" len="sm"/>
+          </a:ln>
+        </p:spPr>
+      </p:sp>
+      <p:sp>
+        <p:nvSpPr>
+          <p:cNvPr id="151" name="Google Shape;151;g133c1f20611_0_39:notes"/>
+          <p:cNvSpPr txBox="1">
+            <a:spLocks noGrp="1"/>
+          </p:cNvSpPr>
+          <p:nvPr>
+            <p:ph type="body" idx="1"/>
+          </p:nvPr>
+        </p:nvSpPr>
+        <p:spPr>
+          <a:xfrm>
+            <a:off x="685800" y="4343400"/>
+            <a:ext cx="5486400" cy="4114800"/>
+          </a:xfrm>
+          <a:prstGeom prst="rect">
+            <a:avLst/>
+          </a:prstGeom>
+          <a:noFill/>
+          <a:ln>
+            <a:noFill/>
+          </a:ln>
+        </p:spPr>
+        <p:txBody>
+          <a:bodyPr spcFirstLastPara="1" wrap="square" lIns="91425" tIns="91425" rIns="91425" bIns="91425" anchor="t" anchorCtr="0">
+            <a:noAutofit/>
+          </a:bodyPr>
+          <a:lstStyle/>
+          <a:p>
+            <a:pPr marL="0" lvl="0" indent="0" algn="l" rtl="0">
+              <a:lnSpc>
+                <a:spcPct val="100000"/>
+              </a:lnSpc>
+              <a:spcBef>
+                <a:spcPts val="0"/>
+              </a:spcBef>
+              <a:spcAft>
+                <a:spcPts val="0"/>
+              </a:spcAft>
+              <a:buSzPts val="1100"/>
+              <a:buNone/>
+            </a:pPr>
+            <a:endParaRPr/>
+          </a:p>
+        </p:txBody>
+      </p:sp>
+    </p:spTree>
+    <p:extLst>
+      <p:ext uri="{BB962C8B-B14F-4D97-AF65-F5344CB8AC3E}">
+        <p14:creationId xmlns:p14="http://schemas.microsoft.com/office/powerpoint/2010/main" val="23643439"/>
+      </p:ext>
+    </p:extLst>
+  </p:cSld>
+  <p:clrMapOvr>
+    <a:masterClrMapping/>
+  </p:clrMapOvr>
+</p:notes>
+</file>
+
+<file path=ppt/notesSlides/notesSlide25.xml><?xml version="1.0" encoding="utf-8"?>
+<p:notes xmlns:a="http://schemas.openxmlformats.org/drawingml/2006/main" xmlns:r="http://schemas.openxmlformats.org/officeDocument/2006/relationships" xmlns:p="http://schemas.openxmlformats.org/presentationml/2006/main" showMasterSp="0" showMasterPhAnim="0">
+  <p:cSld>
+    <p:spTree>
+      <p:nvGrpSpPr>
+        <p:cNvPr id="1" name="Shape 149"/>
+        <p:cNvGrpSpPr/>
+        <p:nvPr/>
+      </p:nvGrpSpPr>
+      <p:grpSpPr>
+        <a:xfrm>
+          <a:off x="0" y="0"/>
+          <a:ext cx="0" cy="0"/>
+          <a:chOff x="0" y="0"/>
+          <a:chExt cx="0" cy="0"/>
+        </a:xfrm>
+      </p:grpSpPr>
+      <p:sp>
+        <p:nvSpPr>
+          <p:cNvPr id="150" name="Google Shape;150;g133c1f20611_0_39:notes"/>
+          <p:cNvSpPr>
+            <a:spLocks noGrp="1" noRot="1" noChangeAspect="1"/>
+          </p:cNvSpPr>
+          <p:nvPr>
+            <p:ph type="sldImg" idx="2"/>
+          </p:nvPr>
+        </p:nvSpPr>
+        <p:spPr>
+          <a:xfrm>
+            <a:off x="381000" y="685800"/>
+            <a:ext cx="6096000" cy="3429000"/>
+          </a:xfrm>
+          <a:custGeom>
+            <a:avLst/>
+            <a:gdLst/>
+            <a:ahLst/>
+            <a:cxnLst/>
+            <a:rect l="l" t="t" r="r" b="b"/>
+            <a:pathLst>
+              <a:path w="120000" h="120000" extrusionOk="0">
+                <a:moveTo>
+                  <a:pt x="0" y="0"/>
+                </a:moveTo>
+                <a:lnTo>
+                  <a:pt x="120000" y="0"/>
+                </a:lnTo>
+                <a:lnTo>
+                  <a:pt x="120000" y="120000"/>
+                </a:lnTo>
+                <a:lnTo>
+                  <a:pt x="0" y="120000"/>
+                </a:lnTo>
+                <a:close/>
+              </a:path>
+            </a:pathLst>
+          </a:custGeom>
+          <a:noFill/>
+          <a:ln w="9525" cap="flat" cmpd="sng">
+            <a:solidFill>
+              <a:srgbClr val="000000"/>
+            </a:solidFill>
+            <a:prstDash val="solid"/>
+            <a:round/>
+            <a:headEnd type="none" w="sm" len="sm"/>
+            <a:tailEnd type="none" w="sm" len="sm"/>
+          </a:ln>
+        </p:spPr>
+      </p:sp>
+      <p:sp>
+        <p:nvSpPr>
+          <p:cNvPr id="151" name="Google Shape;151;g133c1f20611_0_39:notes"/>
+          <p:cNvSpPr txBox="1">
+            <a:spLocks noGrp="1"/>
+          </p:cNvSpPr>
+          <p:nvPr>
+            <p:ph type="body" idx="1"/>
+          </p:nvPr>
+        </p:nvSpPr>
+        <p:spPr>
+          <a:xfrm>
+            <a:off x="685800" y="4343400"/>
+            <a:ext cx="5486400" cy="4114800"/>
+          </a:xfrm>
+          <a:prstGeom prst="rect">
+            <a:avLst/>
+          </a:prstGeom>
+          <a:noFill/>
+          <a:ln>
+            <a:noFill/>
+          </a:ln>
+        </p:spPr>
+        <p:txBody>
+          <a:bodyPr spcFirstLastPara="1" wrap="square" lIns="91425" tIns="91425" rIns="91425" bIns="91425" anchor="t" anchorCtr="0">
+            <a:noAutofit/>
+          </a:bodyPr>
+          <a:lstStyle/>
+          <a:p>
+            <a:pPr marL="0" lvl="0" indent="0" algn="l" rtl="0">
+              <a:lnSpc>
+                <a:spcPct val="100000"/>
+              </a:lnSpc>
+              <a:spcBef>
+                <a:spcPts val="0"/>
+              </a:spcBef>
+              <a:spcAft>
+                <a:spcPts val="0"/>
+              </a:spcAft>
+              <a:buSzPts val="1100"/>
+              <a:buNone/>
+            </a:pPr>
+            <a:endParaRPr/>
+          </a:p>
+        </p:txBody>
+      </p:sp>
+    </p:spTree>
+    <p:extLst>
+      <p:ext uri="{BB962C8B-B14F-4D97-AF65-F5344CB8AC3E}">
+        <p14:creationId xmlns:p14="http://schemas.microsoft.com/office/powerpoint/2010/main" val="944956831"/>
+      </p:ext>
+    </p:extLst>
+  </p:cSld>
+  <p:clrMapOvr>
+    <a:masterClrMapping/>
+  </p:clrMapOvr>
+</p:notes>
+</file>
+
+<file path=ppt/notesSlides/notesSlide26.xml><?xml version="1.0" encoding="utf-8"?>
+<p:notes xmlns:a="http://schemas.openxmlformats.org/drawingml/2006/main" xmlns:r="http://schemas.openxmlformats.org/officeDocument/2006/relationships" xmlns:p="http://schemas.openxmlformats.org/presentationml/2006/main" showMasterSp="0" showMasterPhAnim="0">
+  <p:cSld>
+    <p:spTree>
+      <p:nvGrpSpPr>
+        <p:cNvPr id="1" name="Shape 149"/>
+        <p:cNvGrpSpPr/>
+        <p:nvPr/>
+      </p:nvGrpSpPr>
+      <p:grpSpPr>
+        <a:xfrm>
+          <a:off x="0" y="0"/>
+          <a:ext cx="0" cy="0"/>
+          <a:chOff x="0" y="0"/>
+          <a:chExt cx="0" cy="0"/>
+        </a:xfrm>
+      </p:grpSpPr>
+      <p:sp>
+        <p:nvSpPr>
+          <p:cNvPr id="150" name="Google Shape;150;g133c1f20611_0_39:notes"/>
+          <p:cNvSpPr>
+            <a:spLocks noGrp="1" noRot="1" noChangeAspect="1"/>
+          </p:cNvSpPr>
+          <p:nvPr>
+            <p:ph type="sldImg" idx="2"/>
+          </p:nvPr>
+        </p:nvSpPr>
+        <p:spPr>
+          <a:xfrm>
+            <a:off x="381000" y="685800"/>
+            <a:ext cx="6096000" cy="3429000"/>
+          </a:xfrm>
+          <a:custGeom>
+            <a:avLst/>
+            <a:gdLst/>
+            <a:ahLst/>
+            <a:cxnLst/>
+            <a:rect l="l" t="t" r="r" b="b"/>
+            <a:pathLst>
+              <a:path w="120000" h="120000" extrusionOk="0">
+                <a:moveTo>
+                  <a:pt x="0" y="0"/>
+                </a:moveTo>
+                <a:lnTo>
+                  <a:pt x="120000" y="0"/>
+                </a:lnTo>
+                <a:lnTo>
+                  <a:pt x="120000" y="120000"/>
+                </a:lnTo>
+                <a:lnTo>
+                  <a:pt x="0" y="120000"/>
+                </a:lnTo>
+                <a:close/>
+              </a:path>
+            </a:pathLst>
+          </a:custGeom>
+          <a:noFill/>
+          <a:ln w="9525" cap="flat" cmpd="sng">
+            <a:solidFill>
+              <a:srgbClr val="000000"/>
+            </a:solidFill>
+            <a:prstDash val="solid"/>
+            <a:round/>
+            <a:headEnd type="none" w="sm" len="sm"/>
+            <a:tailEnd type="none" w="sm" len="sm"/>
+          </a:ln>
+        </p:spPr>
+      </p:sp>
+      <p:sp>
+        <p:nvSpPr>
+          <p:cNvPr id="151" name="Google Shape;151;g133c1f20611_0_39:notes"/>
+          <p:cNvSpPr txBox="1">
+            <a:spLocks noGrp="1"/>
+          </p:cNvSpPr>
+          <p:nvPr>
+            <p:ph type="body" idx="1"/>
+          </p:nvPr>
+        </p:nvSpPr>
+        <p:spPr>
+          <a:xfrm>
+            <a:off x="685800" y="4343400"/>
+            <a:ext cx="5486400" cy="4114800"/>
+          </a:xfrm>
+          <a:prstGeom prst="rect">
+            <a:avLst/>
+          </a:prstGeom>
+          <a:noFill/>
+          <a:ln>
+            <a:noFill/>
+          </a:ln>
+        </p:spPr>
+        <p:txBody>
+          <a:bodyPr spcFirstLastPara="1" wrap="square" lIns="91425" tIns="91425" rIns="91425" bIns="91425" anchor="t" anchorCtr="0">
+            <a:noAutofit/>
+          </a:bodyPr>
+          <a:lstStyle/>
+          <a:p>
+            <a:pPr marL="0" lvl="0" indent="0" algn="l" rtl="0">
+              <a:lnSpc>
+                <a:spcPct val="100000"/>
+              </a:lnSpc>
+              <a:spcBef>
+                <a:spcPts val="0"/>
+              </a:spcBef>
+              <a:spcAft>
+                <a:spcPts val="0"/>
+              </a:spcAft>
+              <a:buSzPts val="1100"/>
+              <a:buNone/>
+            </a:pPr>
+            <a:endParaRPr/>
+          </a:p>
+        </p:txBody>
+      </p:sp>
+    </p:spTree>
+    <p:extLst>
+      <p:ext uri="{BB962C8B-B14F-4D97-AF65-F5344CB8AC3E}">
+        <p14:creationId xmlns:p14="http://schemas.microsoft.com/office/powerpoint/2010/main" val="1208831044"/>
+      </p:ext>
+    </p:extLst>
+  </p:cSld>
+  <p:clrMapOvr>
+    <a:masterClrMapping/>
+  </p:clrMapOvr>
+</p:notes>
+</file>
+
+<file path=ppt/notesSlides/notesSlide27.xml><?xml version="1.0" encoding="utf-8"?>
+<p:notes xmlns:a="http://schemas.openxmlformats.org/drawingml/2006/main" xmlns:r="http://schemas.openxmlformats.org/officeDocument/2006/relationships" xmlns:p="http://schemas.openxmlformats.org/presentationml/2006/main" showMasterSp="0" showMasterPhAnim="0">
+  <p:cSld>
+    <p:spTree>
+      <p:nvGrpSpPr>
         <p:cNvPr id="1" name="Shape 155"/>
         <p:cNvGrpSpPr/>
         <p:nvPr/>
@@ -3351,7 +3735,7 @@
 </p:notes>
 </file>
 
-<file path=ppt/notesSlides/notesSlide25.xml><?xml version="1.0" encoding="utf-8"?>
+<file path=ppt/notesSlides/notesSlide28.xml><?xml version="1.0" encoding="utf-8"?>
 <p:notes xmlns:a="http://schemas.openxmlformats.org/drawingml/2006/main" xmlns:r="http://schemas.openxmlformats.org/officeDocument/2006/relationships" xmlns:p="http://schemas.openxmlformats.org/presentationml/2006/main" showMasterSp="0" showMasterPhAnim="0">
   <p:cSld>
     <p:spTree>
@@ -3478,7 +3862,7 @@
 </p:notes>
 </file>
 
-<file path=ppt/notesSlides/notesSlide26.xml><?xml version="1.0" encoding="utf-8"?>
+<file path=ppt/notesSlides/notesSlide29.xml><?xml version="1.0" encoding="utf-8"?>
 <p:notes xmlns:a="http://schemas.openxmlformats.org/drawingml/2006/main" xmlns:r="http://schemas.openxmlformats.org/officeDocument/2006/relationships" xmlns:p="http://schemas.openxmlformats.org/presentationml/2006/main" showMasterSp="0" showMasterPhAnim="0">
   <p:cSld>
     <p:spTree>
@@ -3633,427 +4017,6 @@
         </p:txBody>
       </p:sp>
     </p:spTree>
-  </p:cSld>
-  <p:clrMapOvr>
-    <a:masterClrMapping/>
-  </p:clrMapOvr>
-</p:notes>
-</file>
-
-<file path=ppt/notesSlides/notesSlide27.xml><?xml version="1.0" encoding="utf-8"?>
-<p:notes xmlns:a="http://schemas.openxmlformats.org/drawingml/2006/main" xmlns:r="http://schemas.openxmlformats.org/officeDocument/2006/relationships" xmlns:p="http://schemas.openxmlformats.org/presentationml/2006/main" showMasterSp="0" showMasterPhAnim="0">
-  <p:cSld>
-    <p:spTree>
-      <p:nvGrpSpPr>
-        <p:cNvPr id="1" name="Shape 136"/>
-        <p:cNvGrpSpPr/>
-        <p:nvPr/>
-      </p:nvGrpSpPr>
-      <p:grpSpPr>
-        <a:xfrm>
-          <a:off x="0" y="0"/>
-          <a:ext cx="0" cy="0"/>
-          <a:chOff x="0" y="0"/>
-          <a:chExt cx="0" cy="0"/>
-        </a:xfrm>
-      </p:grpSpPr>
-      <p:sp>
-        <p:nvSpPr>
-          <p:cNvPr id="137" name="Google Shape;137;g133c1f20611_0_26:notes"/>
-          <p:cNvSpPr>
-            <a:spLocks noGrp="1" noRot="1" noChangeAspect="1"/>
-          </p:cNvSpPr>
-          <p:nvPr>
-            <p:ph type="sldImg" idx="2"/>
-          </p:nvPr>
-        </p:nvSpPr>
-        <p:spPr>
-          <a:xfrm>
-            <a:off x="381000" y="685800"/>
-            <a:ext cx="6096000" cy="3429000"/>
-          </a:xfrm>
-          <a:custGeom>
-            <a:avLst/>
-            <a:gdLst/>
-            <a:ahLst/>
-            <a:cxnLst/>
-            <a:rect l="l" t="t" r="r" b="b"/>
-            <a:pathLst>
-              <a:path w="120000" h="120000" extrusionOk="0">
-                <a:moveTo>
-                  <a:pt x="0" y="0"/>
-                </a:moveTo>
-                <a:lnTo>
-                  <a:pt x="120000" y="0"/>
-                </a:lnTo>
-                <a:lnTo>
-                  <a:pt x="120000" y="120000"/>
-                </a:lnTo>
-                <a:lnTo>
-                  <a:pt x="0" y="120000"/>
-                </a:lnTo>
-                <a:close/>
-              </a:path>
-            </a:pathLst>
-          </a:custGeom>
-          <a:noFill/>
-          <a:ln w="9525" cap="flat" cmpd="sng">
-            <a:solidFill>
-              <a:srgbClr val="000000"/>
-            </a:solidFill>
-            <a:prstDash val="solid"/>
-            <a:round/>
-            <a:headEnd type="none" w="sm" len="sm"/>
-            <a:tailEnd type="none" w="sm" len="sm"/>
-          </a:ln>
-        </p:spPr>
-      </p:sp>
-      <p:sp>
-        <p:nvSpPr>
-          <p:cNvPr id="138" name="Google Shape;138;g133c1f20611_0_26:notes"/>
-          <p:cNvSpPr txBox="1">
-            <a:spLocks noGrp="1"/>
-          </p:cNvSpPr>
-          <p:nvPr>
-            <p:ph type="body" idx="1"/>
-          </p:nvPr>
-        </p:nvSpPr>
-        <p:spPr>
-          <a:xfrm>
-            <a:off x="685800" y="4343400"/>
-            <a:ext cx="5486400" cy="4114800"/>
-          </a:xfrm>
-          <a:prstGeom prst="rect">
-            <a:avLst/>
-          </a:prstGeom>
-          <a:noFill/>
-          <a:ln>
-            <a:noFill/>
-          </a:ln>
-        </p:spPr>
-        <p:txBody>
-          <a:bodyPr spcFirstLastPara="1" wrap="square" lIns="91425" tIns="91425" rIns="91425" bIns="91425" anchor="t" anchorCtr="0">
-            <a:noAutofit/>
-          </a:bodyPr>
-          <a:lstStyle/>
-          <a:p>
-            <a:pPr marL="0" lvl="0" indent="0" algn="l" rtl="0">
-              <a:lnSpc>
-                <a:spcPct val="100000"/>
-              </a:lnSpc>
-              <a:spcBef>
-                <a:spcPts val="0"/>
-              </a:spcBef>
-              <a:spcAft>
-                <a:spcPts val="0"/>
-              </a:spcAft>
-              <a:buSzPts val="1100"/>
-              <a:buNone/>
-            </a:pPr>
-            <a:endParaRPr/>
-          </a:p>
-        </p:txBody>
-      </p:sp>
-    </p:spTree>
-    <p:extLst>
-      <p:ext uri="{BB962C8B-B14F-4D97-AF65-F5344CB8AC3E}">
-        <p14:creationId xmlns:p14="http://schemas.microsoft.com/office/powerpoint/2010/main" val="2064928601"/>
-      </p:ext>
-    </p:extLst>
-  </p:cSld>
-  <p:clrMapOvr>
-    <a:masterClrMapping/>
-  </p:clrMapOvr>
-</p:notes>
-</file>
-
-<file path=ppt/notesSlides/notesSlide28.xml><?xml version="1.0" encoding="utf-8"?>
-<p:notes xmlns:a="http://schemas.openxmlformats.org/drawingml/2006/main" xmlns:r="http://schemas.openxmlformats.org/officeDocument/2006/relationships" xmlns:p="http://schemas.openxmlformats.org/presentationml/2006/main" showMasterSp="0" showMasterPhAnim="0">
-  <p:cSld>
-    <p:spTree>
-      <p:nvGrpSpPr>
-        <p:cNvPr id="1" name="Shape 117"/>
-        <p:cNvGrpSpPr/>
-        <p:nvPr/>
-      </p:nvGrpSpPr>
-      <p:grpSpPr>
-        <a:xfrm>
-          <a:off x="0" y="0"/>
-          <a:ext cx="0" cy="0"/>
-          <a:chOff x="0" y="0"/>
-          <a:chExt cx="0" cy="0"/>
-        </a:xfrm>
-      </p:grpSpPr>
-      <p:sp>
-        <p:nvSpPr>
-          <p:cNvPr id="118" name="Google Shape;118;g133c1f20611_0_10:notes"/>
-          <p:cNvSpPr>
-            <a:spLocks noGrp="1" noRot="1" noChangeAspect="1"/>
-          </p:cNvSpPr>
-          <p:nvPr>
-            <p:ph type="sldImg" idx="2"/>
-          </p:nvPr>
-        </p:nvSpPr>
-        <p:spPr>
-          <a:xfrm>
-            <a:off x="381000" y="685800"/>
-            <a:ext cx="6096000" cy="3429000"/>
-          </a:xfrm>
-          <a:custGeom>
-            <a:avLst/>
-            <a:gdLst/>
-            <a:ahLst/>
-            <a:cxnLst/>
-            <a:rect l="l" t="t" r="r" b="b"/>
-            <a:pathLst>
-              <a:path w="120000" h="120000" extrusionOk="0">
-                <a:moveTo>
-                  <a:pt x="0" y="0"/>
-                </a:moveTo>
-                <a:lnTo>
-                  <a:pt x="120000" y="0"/>
-                </a:lnTo>
-                <a:lnTo>
-                  <a:pt x="120000" y="120000"/>
-                </a:lnTo>
-                <a:lnTo>
-                  <a:pt x="0" y="120000"/>
-                </a:lnTo>
-                <a:close/>
-              </a:path>
-            </a:pathLst>
-          </a:custGeom>
-          <a:noFill/>
-          <a:ln w="9525" cap="flat" cmpd="sng">
-            <a:solidFill>
-              <a:srgbClr val="000000"/>
-            </a:solidFill>
-            <a:prstDash val="solid"/>
-            <a:round/>
-            <a:headEnd type="none" w="sm" len="sm"/>
-            <a:tailEnd type="none" w="sm" len="sm"/>
-          </a:ln>
-        </p:spPr>
-      </p:sp>
-      <p:sp>
-        <p:nvSpPr>
-          <p:cNvPr id="119" name="Google Shape;119;g133c1f20611_0_10:notes"/>
-          <p:cNvSpPr txBox="1">
-            <a:spLocks noGrp="1"/>
-          </p:cNvSpPr>
-          <p:nvPr>
-            <p:ph type="body" idx="1"/>
-          </p:nvPr>
-        </p:nvSpPr>
-        <p:spPr>
-          <a:xfrm>
-            <a:off x="685800" y="4343400"/>
-            <a:ext cx="5486400" cy="4114800"/>
-          </a:xfrm>
-          <a:prstGeom prst="rect">
-            <a:avLst/>
-          </a:prstGeom>
-          <a:noFill/>
-          <a:ln>
-            <a:noFill/>
-          </a:ln>
-        </p:spPr>
-        <p:txBody>
-          <a:bodyPr spcFirstLastPara="1" wrap="square" lIns="91425" tIns="91425" rIns="91425" bIns="91425" anchor="t" anchorCtr="0">
-            <a:noAutofit/>
-          </a:bodyPr>
-          <a:lstStyle/>
-          <a:p>
-            <a:pPr marL="0" lvl="0" indent="0" algn="l" rtl="0">
-              <a:lnSpc>
-                <a:spcPct val="100000"/>
-              </a:lnSpc>
-              <a:spcBef>
-                <a:spcPts val="0"/>
-              </a:spcBef>
-              <a:spcAft>
-                <a:spcPts val="0"/>
-              </a:spcAft>
-              <a:buSzPts val="1100"/>
-              <a:buNone/>
-            </a:pPr>
-            <a:r>
-              <a:rPr lang="en-US"/>
-              <a:t>Specify what </a:t>
-            </a:r>
-            <a:r>
-              <a:rPr lang="en-US" b="1"/>
-              <a:t>Success</a:t>
-            </a:r>
-            <a:r>
-              <a:rPr lang="en-US"/>
-              <a:t> looks like, and for what </a:t>
-            </a:r>
-            <a:r>
-              <a:rPr lang="en-US" b="1"/>
-              <a:t>Audience</a:t>
-            </a:r>
-            <a:r>
-              <a:rPr lang="en-US"/>
-              <a:t>.</a:t>
-            </a:r>
-            <a:endParaRPr/>
-          </a:p>
-        </p:txBody>
-      </p:sp>
-    </p:spTree>
-    <p:extLst>
-      <p:ext uri="{BB962C8B-B14F-4D97-AF65-F5344CB8AC3E}">
-        <p14:creationId xmlns:p14="http://schemas.microsoft.com/office/powerpoint/2010/main" val="352247447"/>
-      </p:ext>
-    </p:extLst>
-  </p:cSld>
-  <p:clrMapOvr>
-    <a:masterClrMapping/>
-  </p:clrMapOvr>
-</p:notes>
-</file>
-
-<file path=ppt/notesSlides/notesSlide29.xml><?xml version="1.0" encoding="utf-8"?>
-<p:notes xmlns:a="http://schemas.openxmlformats.org/drawingml/2006/main" xmlns:r="http://schemas.openxmlformats.org/officeDocument/2006/relationships" xmlns:p="http://schemas.openxmlformats.org/presentationml/2006/main" showMasterSp="0" showMasterPhAnim="0">
-  <p:cSld>
-    <p:spTree>
-      <p:nvGrpSpPr>
-        <p:cNvPr id="1" name="Shape 117"/>
-        <p:cNvGrpSpPr/>
-        <p:nvPr/>
-      </p:nvGrpSpPr>
-      <p:grpSpPr>
-        <a:xfrm>
-          <a:off x="0" y="0"/>
-          <a:ext cx="0" cy="0"/>
-          <a:chOff x="0" y="0"/>
-          <a:chExt cx="0" cy="0"/>
-        </a:xfrm>
-      </p:grpSpPr>
-      <p:sp>
-        <p:nvSpPr>
-          <p:cNvPr id="118" name="Google Shape;118;g133c1f20611_0_10:notes"/>
-          <p:cNvSpPr>
-            <a:spLocks noGrp="1" noRot="1" noChangeAspect="1"/>
-          </p:cNvSpPr>
-          <p:nvPr>
-            <p:ph type="sldImg" idx="2"/>
-          </p:nvPr>
-        </p:nvSpPr>
-        <p:spPr>
-          <a:xfrm>
-            <a:off x="381000" y="685800"/>
-            <a:ext cx="6096000" cy="3429000"/>
-          </a:xfrm>
-          <a:custGeom>
-            <a:avLst/>
-            <a:gdLst/>
-            <a:ahLst/>
-            <a:cxnLst/>
-            <a:rect l="l" t="t" r="r" b="b"/>
-            <a:pathLst>
-              <a:path w="120000" h="120000" extrusionOk="0">
-                <a:moveTo>
-                  <a:pt x="0" y="0"/>
-                </a:moveTo>
-                <a:lnTo>
-                  <a:pt x="120000" y="0"/>
-                </a:lnTo>
-                <a:lnTo>
-                  <a:pt x="120000" y="120000"/>
-                </a:lnTo>
-                <a:lnTo>
-                  <a:pt x="0" y="120000"/>
-                </a:lnTo>
-                <a:close/>
-              </a:path>
-            </a:pathLst>
-          </a:custGeom>
-          <a:noFill/>
-          <a:ln w="9525" cap="flat" cmpd="sng">
-            <a:solidFill>
-              <a:srgbClr val="000000"/>
-            </a:solidFill>
-            <a:prstDash val="solid"/>
-            <a:round/>
-            <a:headEnd type="none" w="sm" len="sm"/>
-            <a:tailEnd type="none" w="sm" len="sm"/>
-          </a:ln>
-        </p:spPr>
-      </p:sp>
-      <p:sp>
-        <p:nvSpPr>
-          <p:cNvPr id="119" name="Google Shape;119;g133c1f20611_0_10:notes"/>
-          <p:cNvSpPr txBox="1">
-            <a:spLocks noGrp="1"/>
-          </p:cNvSpPr>
-          <p:nvPr>
-            <p:ph type="body" idx="1"/>
-          </p:nvPr>
-        </p:nvSpPr>
-        <p:spPr>
-          <a:xfrm>
-            <a:off x="685800" y="4343400"/>
-            <a:ext cx="5486400" cy="4114800"/>
-          </a:xfrm>
-          <a:prstGeom prst="rect">
-            <a:avLst/>
-          </a:prstGeom>
-          <a:noFill/>
-          <a:ln>
-            <a:noFill/>
-          </a:ln>
-        </p:spPr>
-        <p:txBody>
-          <a:bodyPr spcFirstLastPara="1" wrap="square" lIns="91425" tIns="91425" rIns="91425" bIns="91425" anchor="t" anchorCtr="0">
-            <a:noAutofit/>
-          </a:bodyPr>
-          <a:lstStyle/>
-          <a:p>
-            <a:pPr marL="0" lvl="0" indent="0" algn="l" rtl="0">
-              <a:lnSpc>
-                <a:spcPct val="100000"/>
-              </a:lnSpc>
-              <a:spcBef>
-                <a:spcPts val="0"/>
-              </a:spcBef>
-              <a:spcAft>
-                <a:spcPts val="0"/>
-              </a:spcAft>
-              <a:buSzPts val="1100"/>
-              <a:buNone/>
-            </a:pPr>
-            <a:r>
-              <a:rPr lang="en-US"/>
-              <a:t>Specify what </a:t>
-            </a:r>
-            <a:r>
-              <a:rPr lang="en-US" b="1"/>
-              <a:t>Success</a:t>
-            </a:r>
-            <a:r>
-              <a:rPr lang="en-US"/>
-              <a:t> looks like, and for what </a:t>
-            </a:r>
-            <a:r>
-              <a:rPr lang="en-US" b="1"/>
-              <a:t>Audience</a:t>
-            </a:r>
-            <a:r>
-              <a:rPr lang="en-US"/>
-              <a:t>.</a:t>
-            </a:r>
-            <a:endParaRPr/>
-          </a:p>
-        </p:txBody>
-      </p:sp>
-    </p:spTree>
-    <p:extLst>
-      <p:ext uri="{BB962C8B-B14F-4D97-AF65-F5344CB8AC3E}">
-        <p14:creationId xmlns:p14="http://schemas.microsoft.com/office/powerpoint/2010/main" val="778705544"/>
-      </p:ext>
-    </p:extLst>
   </p:cSld>
   <p:clrMapOvr>
     <a:masterClrMapping/>
@@ -4364,7 +4327,7 @@
   <p:cSld>
     <p:spTree>
       <p:nvGrpSpPr>
-        <p:cNvPr id="1" name="Shape 117"/>
+        <p:cNvPr id="1" name="Shape 136"/>
         <p:cNvGrpSpPr/>
         <p:nvPr/>
       </p:nvGrpSpPr>
@@ -4378,7 +4341,7 @@
       </p:grpSpPr>
       <p:sp>
         <p:nvSpPr>
-          <p:cNvPr id="118" name="Google Shape;118;g133c1f20611_0_10:notes"/>
+          <p:cNvPr id="137" name="Google Shape;137;g133c1f20611_0_26:notes"/>
           <p:cNvSpPr>
             <a:spLocks noGrp="1" noRot="1" noChangeAspect="1"/>
           </p:cNvSpPr>
@@ -4429,7 +4392,7 @@
       </p:sp>
       <p:sp>
         <p:nvSpPr>
-          <p:cNvPr id="119" name="Google Shape;119;g133c1f20611_0_10:notes"/>
+          <p:cNvPr id="138" name="Google Shape;138;g133c1f20611_0_26:notes"/>
           <p:cNvSpPr txBox="1">
             <a:spLocks noGrp="1"/>
           </p:cNvSpPr>
@@ -4469,26 +4432,6 @@
               <a:buSzPts val="1100"/>
               <a:buNone/>
             </a:pPr>
-            <a:r>
-              <a:rPr lang="en-US"/>
-              <a:t>Specify what </a:t>
-            </a:r>
-            <a:r>
-              <a:rPr lang="en-US" b="1"/>
-              <a:t>Success</a:t>
-            </a:r>
-            <a:r>
-              <a:rPr lang="en-US"/>
-              <a:t> looks like, and for what </a:t>
-            </a:r>
-            <a:r>
-              <a:rPr lang="en-US" b="1"/>
-              <a:t>Audience</a:t>
-            </a:r>
-            <a:r>
-              <a:rPr lang="en-US"/>
-              <a:t>.</a:t>
-            </a:r>
             <a:endParaRPr/>
           </a:p>
         </p:txBody>
@@ -4496,7 +4439,7 @@
     </p:spTree>
     <p:extLst>
       <p:ext uri="{BB962C8B-B14F-4D97-AF65-F5344CB8AC3E}">
-        <p14:creationId xmlns:p14="http://schemas.microsoft.com/office/powerpoint/2010/main" val="528919018"/>
+        <p14:creationId xmlns:p14="http://schemas.microsoft.com/office/powerpoint/2010/main" val="2064928601"/>
       </p:ext>
     </p:extLst>
   </p:cSld>
@@ -4643,7 +4586,7 @@
     </p:spTree>
     <p:extLst>
       <p:ext uri="{BB962C8B-B14F-4D97-AF65-F5344CB8AC3E}">
-        <p14:creationId xmlns:p14="http://schemas.microsoft.com/office/powerpoint/2010/main" val="2109339161"/>
+        <p14:creationId xmlns:p14="http://schemas.microsoft.com/office/powerpoint/2010/main" val="352247447"/>
       </p:ext>
     </p:extLst>
   </p:cSld>
@@ -4790,7 +4733,7 @@
     </p:spTree>
     <p:extLst>
       <p:ext uri="{BB962C8B-B14F-4D97-AF65-F5344CB8AC3E}">
-        <p14:creationId xmlns:p14="http://schemas.microsoft.com/office/powerpoint/2010/main" val="2600120724"/>
+        <p14:creationId xmlns:p14="http://schemas.microsoft.com/office/powerpoint/2010/main" val="778705544"/>
       </p:ext>
     </p:extLst>
   </p:cSld>
@@ -4937,6 +4880,447 @@
     </p:spTree>
     <p:extLst>
       <p:ext uri="{BB962C8B-B14F-4D97-AF65-F5344CB8AC3E}">
+        <p14:creationId xmlns:p14="http://schemas.microsoft.com/office/powerpoint/2010/main" val="528919018"/>
+      </p:ext>
+    </p:extLst>
+  </p:cSld>
+  <p:clrMapOvr>
+    <a:masterClrMapping/>
+  </p:clrMapOvr>
+</p:notes>
+</file>
+
+<file path=ppt/notesSlides/notesSlide34.xml><?xml version="1.0" encoding="utf-8"?>
+<p:notes xmlns:a="http://schemas.openxmlformats.org/drawingml/2006/main" xmlns:r="http://schemas.openxmlformats.org/officeDocument/2006/relationships" xmlns:p="http://schemas.openxmlformats.org/presentationml/2006/main" showMasterSp="0" showMasterPhAnim="0">
+  <p:cSld>
+    <p:spTree>
+      <p:nvGrpSpPr>
+        <p:cNvPr id="1" name="Shape 117"/>
+        <p:cNvGrpSpPr/>
+        <p:nvPr/>
+      </p:nvGrpSpPr>
+      <p:grpSpPr>
+        <a:xfrm>
+          <a:off x="0" y="0"/>
+          <a:ext cx="0" cy="0"/>
+          <a:chOff x="0" y="0"/>
+          <a:chExt cx="0" cy="0"/>
+        </a:xfrm>
+      </p:grpSpPr>
+      <p:sp>
+        <p:nvSpPr>
+          <p:cNvPr id="118" name="Google Shape;118;g133c1f20611_0_10:notes"/>
+          <p:cNvSpPr>
+            <a:spLocks noGrp="1" noRot="1" noChangeAspect="1"/>
+          </p:cNvSpPr>
+          <p:nvPr>
+            <p:ph type="sldImg" idx="2"/>
+          </p:nvPr>
+        </p:nvSpPr>
+        <p:spPr>
+          <a:xfrm>
+            <a:off x="381000" y="685800"/>
+            <a:ext cx="6096000" cy="3429000"/>
+          </a:xfrm>
+          <a:custGeom>
+            <a:avLst/>
+            <a:gdLst/>
+            <a:ahLst/>
+            <a:cxnLst/>
+            <a:rect l="l" t="t" r="r" b="b"/>
+            <a:pathLst>
+              <a:path w="120000" h="120000" extrusionOk="0">
+                <a:moveTo>
+                  <a:pt x="0" y="0"/>
+                </a:moveTo>
+                <a:lnTo>
+                  <a:pt x="120000" y="0"/>
+                </a:lnTo>
+                <a:lnTo>
+                  <a:pt x="120000" y="120000"/>
+                </a:lnTo>
+                <a:lnTo>
+                  <a:pt x="0" y="120000"/>
+                </a:lnTo>
+                <a:close/>
+              </a:path>
+            </a:pathLst>
+          </a:custGeom>
+          <a:noFill/>
+          <a:ln w="9525" cap="flat" cmpd="sng">
+            <a:solidFill>
+              <a:srgbClr val="000000"/>
+            </a:solidFill>
+            <a:prstDash val="solid"/>
+            <a:round/>
+            <a:headEnd type="none" w="sm" len="sm"/>
+            <a:tailEnd type="none" w="sm" len="sm"/>
+          </a:ln>
+        </p:spPr>
+      </p:sp>
+      <p:sp>
+        <p:nvSpPr>
+          <p:cNvPr id="119" name="Google Shape;119;g133c1f20611_0_10:notes"/>
+          <p:cNvSpPr txBox="1">
+            <a:spLocks noGrp="1"/>
+          </p:cNvSpPr>
+          <p:nvPr>
+            <p:ph type="body" idx="1"/>
+          </p:nvPr>
+        </p:nvSpPr>
+        <p:spPr>
+          <a:xfrm>
+            <a:off x="685800" y="4343400"/>
+            <a:ext cx="5486400" cy="4114800"/>
+          </a:xfrm>
+          <a:prstGeom prst="rect">
+            <a:avLst/>
+          </a:prstGeom>
+          <a:noFill/>
+          <a:ln>
+            <a:noFill/>
+          </a:ln>
+        </p:spPr>
+        <p:txBody>
+          <a:bodyPr spcFirstLastPara="1" wrap="square" lIns="91425" tIns="91425" rIns="91425" bIns="91425" anchor="t" anchorCtr="0">
+            <a:noAutofit/>
+          </a:bodyPr>
+          <a:lstStyle/>
+          <a:p>
+            <a:pPr marL="0" lvl="0" indent="0" algn="l" rtl="0">
+              <a:lnSpc>
+                <a:spcPct val="100000"/>
+              </a:lnSpc>
+              <a:spcBef>
+                <a:spcPts val="0"/>
+              </a:spcBef>
+              <a:spcAft>
+                <a:spcPts val="0"/>
+              </a:spcAft>
+              <a:buSzPts val="1100"/>
+              <a:buNone/>
+            </a:pPr>
+            <a:r>
+              <a:rPr lang="en-US"/>
+              <a:t>Specify what </a:t>
+            </a:r>
+            <a:r>
+              <a:rPr lang="en-US" b="1"/>
+              <a:t>Success</a:t>
+            </a:r>
+            <a:r>
+              <a:rPr lang="en-US"/>
+              <a:t> looks like, and for what </a:t>
+            </a:r>
+            <a:r>
+              <a:rPr lang="en-US" b="1"/>
+              <a:t>Audience</a:t>
+            </a:r>
+            <a:r>
+              <a:rPr lang="en-US"/>
+              <a:t>.</a:t>
+            </a:r>
+            <a:endParaRPr/>
+          </a:p>
+        </p:txBody>
+      </p:sp>
+    </p:spTree>
+    <p:extLst>
+      <p:ext uri="{BB962C8B-B14F-4D97-AF65-F5344CB8AC3E}">
+        <p14:creationId xmlns:p14="http://schemas.microsoft.com/office/powerpoint/2010/main" val="2109339161"/>
+      </p:ext>
+    </p:extLst>
+  </p:cSld>
+  <p:clrMapOvr>
+    <a:masterClrMapping/>
+  </p:clrMapOvr>
+</p:notes>
+</file>
+
+<file path=ppt/notesSlides/notesSlide35.xml><?xml version="1.0" encoding="utf-8"?>
+<p:notes xmlns:a="http://schemas.openxmlformats.org/drawingml/2006/main" xmlns:r="http://schemas.openxmlformats.org/officeDocument/2006/relationships" xmlns:p="http://schemas.openxmlformats.org/presentationml/2006/main" showMasterSp="0" showMasterPhAnim="0">
+  <p:cSld>
+    <p:spTree>
+      <p:nvGrpSpPr>
+        <p:cNvPr id="1" name="Shape 117"/>
+        <p:cNvGrpSpPr/>
+        <p:nvPr/>
+      </p:nvGrpSpPr>
+      <p:grpSpPr>
+        <a:xfrm>
+          <a:off x="0" y="0"/>
+          <a:ext cx="0" cy="0"/>
+          <a:chOff x="0" y="0"/>
+          <a:chExt cx="0" cy="0"/>
+        </a:xfrm>
+      </p:grpSpPr>
+      <p:sp>
+        <p:nvSpPr>
+          <p:cNvPr id="118" name="Google Shape;118;g133c1f20611_0_10:notes"/>
+          <p:cNvSpPr>
+            <a:spLocks noGrp="1" noRot="1" noChangeAspect="1"/>
+          </p:cNvSpPr>
+          <p:nvPr>
+            <p:ph type="sldImg" idx="2"/>
+          </p:nvPr>
+        </p:nvSpPr>
+        <p:spPr>
+          <a:xfrm>
+            <a:off x="381000" y="685800"/>
+            <a:ext cx="6096000" cy="3429000"/>
+          </a:xfrm>
+          <a:custGeom>
+            <a:avLst/>
+            <a:gdLst/>
+            <a:ahLst/>
+            <a:cxnLst/>
+            <a:rect l="l" t="t" r="r" b="b"/>
+            <a:pathLst>
+              <a:path w="120000" h="120000" extrusionOk="0">
+                <a:moveTo>
+                  <a:pt x="0" y="0"/>
+                </a:moveTo>
+                <a:lnTo>
+                  <a:pt x="120000" y="0"/>
+                </a:lnTo>
+                <a:lnTo>
+                  <a:pt x="120000" y="120000"/>
+                </a:lnTo>
+                <a:lnTo>
+                  <a:pt x="0" y="120000"/>
+                </a:lnTo>
+                <a:close/>
+              </a:path>
+            </a:pathLst>
+          </a:custGeom>
+          <a:noFill/>
+          <a:ln w="9525" cap="flat" cmpd="sng">
+            <a:solidFill>
+              <a:srgbClr val="000000"/>
+            </a:solidFill>
+            <a:prstDash val="solid"/>
+            <a:round/>
+            <a:headEnd type="none" w="sm" len="sm"/>
+            <a:tailEnd type="none" w="sm" len="sm"/>
+          </a:ln>
+        </p:spPr>
+      </p:sp>
+      <p:sp>
+        <p:nvSpPr>
+          <p:cNvPr id="119" name="Google Shape;119;g133c1f20611_0_10:notes"/>
+          <p:cNvSpPr txBox="1">
+            <a:spLocks noGrp="1"/>
+          </p:cNvSpPr>
+          <p:nvPr>
+            <p:ph type="body" idx="1"/>
+          </p:nvPr>
+        </p:nvSpPr>
+        <p:spPr>
+          <a:xfrm>
+            <a:off x="685800" y="4343400"/>
+            <a:ext cx="5486400" cy="4114800"/>
+          </a:xfrm>
+          <a:prstGeom prst="rect">
+            <a:avLst/>
+          </a:prstGeom>
+          <a:noFill/>
+          <a:ln>
+            <a:noFill/>
+          </a:ln>
+        </p:spPr>
+        <p:txBody>
+          <a:bodyPr spcFirstLastPara="1" wrap="square" lIns="91425" tIns="91425" rIns="91425" bIns="91425" anchor="t" anchorCtr="0">
+            <a:noAutofit/>
+          </a:bodyPr>
+          <a:lstStyle/>
+          <a:p>
+            <a:pPr marL="0" lvl="0" indent="0" algn="l" rtl="0">
+              <a:lnSpc>
+                <a:spcPct val="100000"/>
+              </a:lnSpc>
+              <a:spcBef>
+                <a:spcPts val="0"/>
+              </a:spcBef>
+              <a:spcAft>
+                <a:spcPts val="0"/>
+              </a:spcAft>
+              <a:buSzPts val="1100"/>
+              <a:buNone/>
+            </a:pPr>
+            <a:r>
+              <a:rPr lang="en-US"/>
+              <a:t>Specify what </a:t>
+            </a:r>
+            <a:r>
+              <a:rPr lang="en-US" b="1"/>
+              <a:t>Success</a:t>
+            </a:r>
+            <a:r>
+              <a:rPr lang="en-US"/>
+              <a:t> looks like, and for what </a:t>
+            </a:r>
+            <a:r>
+              <a:rPr lang="en-US" b="1"/>
+              <a:t>Audience</a:t>
+            </a:r>
+            <a:r>
+              <a:rPr lang="en-US"/>
+              <a:t>.</a:t>
+            </a:r>
+            <a:endParaRPr/>
+          </a:p>
+        </p:txBody>
+      </p:sp>
+    </p:spTree>
+    <p:extLst>
+      <p:ext uri="{BB962C8B-B14F-4D97-AF65-F5344CB8AC3E}">
+        <p14:creationId xmlns:p14="http://schemas.microsoft.com/office/powerpoint/2010/main" val="2600120724"/>
+      </p:ext>
+    </p:extLst>
+  </p:cSld>
+  <p:clrMapOvr>
+    <a:masterClrMapping/>
+  </p:clrMapOvr>
+</p:notes>
+</file>
+
+<file path=ppt/notesSlides/notesSlide36.xml><?xml version="1.0" encoding="utf-8"?>
+<p:notes xmlns:a="http://schemas.openxmlformats.org/drawingml/2006/main" xmlns:r="http://schemas.openxmlformats.org/officeDocument/2006/relationships" xmlns:p="http://schemas.openxmlformats.org/presentationml/2006/main" showMasterSp="0" showMasterPhAnim="0">
+  <p:cSld>
+    <p:spTree>
+      <p:nvGrpSpPr>
+        <p:cNvPr id="1" name="Shape 117"/>
+        <p:cNvGrpSpPr/>
+        <p:nvPr/>
+      </p:nvGrpSpPr>
+      <p:grpSpPr>
+        <a:xfrm>
+          <a:off x="0" y="0"/>
+          <a:ext cx="0" cy="0"/>
+          <a:chOff x="0" y="0"/>
+          <a:chExt cx="0" cy="0"/>
+        </a:xfrm>
+      </p:grpSpPr>
+      <p:sp>
+        <p:nvSpPr>
+          <p:cNvPr id="118" name="Google Shape;118;g133c1f20611_0_10:notes"/>
+          <p:cNvSpPr>
+            <a:spLocks noGrp="1" noRot="1" noChangeAspect="1"/>
+          </p:cNvSpPr>
+          <p:nvPr>
+            <p:ph type="sldImg" idx="2"/>
+          </p:nvPr>
+        </p:nvSpPr>
+        <p:spPr>
+          <a:xfrm>
+            <a:off x="381000" y="685800"/>
+            <a:ext cx="6096000" cy="3429000"/>
+          </a:xfrm>
+          <a:custGeom>
+            <a:avLst/>
+            <a:gdLst/>
+            <a:ahLst/>
+            <a:cxnLst/>
+            <a:rect l="l" t="t" r="r" b="b"/>
+            <a:pathLst>
+              <a:path w="120000" h="120000" extrusionOk="0">
+                <a:moveTo>
+                  <a:pt x="0" y="0"/>
+                </a:moveTo>
+                <a:lnTo>
+                  <a:pt x="120000" y="0"/>
+                </a:lnTo>
+                <a:lnTo>
+                  <a:pt x="120000" y="120000"/>
+                </a:lnTo>
+                <a:lnTo>
+                  <a:pt x="0" y="120000"/>
+                </a:lnTo>
+                <a:close/>
+              </a:path>
+            </a:pathLst>
+          </a:custGeom>
+          <a:noFill/>
+          <a:ln w="9525" cap="flat" cmpd="sng">
+            <a:solidFill>
+              <a:srgbClr val="000000"/>
+            </a:solidFill>
+            <a:prstDash val="solid"/>
+            <a:round/>
+            <a:headEnd type="none" w="sm" len="sm"/>
+            <a:tailEnd type="none" w="sm" len="sm"/>
+          </a:ln>
+        </p:spPr>
+      </p:sp>
+      <p:sp>
+        <p:nvSpPr>
+          <p:cNvPr id="119" name="Google Shape;119;g133c1f20611_0_10:notes"/>
+          <p:cNvSpPr txBox="1">
+            <a:spLocks noGrp="1"/>
+          </p:cNvSpPr>
+          <p:nvPr>
+            <p:ph type="body" idx="1"/>
+          </p:nvPr>
+        </p:nvSpPr>
+        <p:spPr>
+          <a:xfrm>
+            <a:off x="685800" y="4343400"/>
+            <a:ext cx="5486400" cy="4114800"/>
+          </a:xfrm>
+          <a:prstGeom prst="rect">
+            <a:avLst/>
+          </a:prstGeom>
+          <a:noFill/>
+          <a:ln>
+            <a:noFill/>
+          </a:ln>
+        </p:spPr>
+        <p:txBody>
+          <a:bodyPr spcFirstLastPara="1" wrap="square" lIns="91425" tIns="91425" rIns="91425" bIns="91425" anchor="t" anchorCtr="0">
+            <a:noAutofit/>
+          </a:bodyPr>
+          <a:lstStyle/>
+          <a:p>
+            <a:pPr marL="0" lvl="0" indent="0" algn="l" rtl="0">
+              <a:lnSpc>
+                <a:spcPct val="100000"/>
+              </a:lnSpc>
+              <a:spcBef>
+                <a:spcPts val="0"/>
+              </a:spcBef>
+              <a:spcAft>
+                <a:spcPts val="0"/>
+              </a:spcAft>
+              <a:buSzPts val="1100"/>
+              <a:buNone/>
+            </a:pPr>
+            <a:r>
+              <a:rPr lang="en-US"/>
+              <a:t>Specify what </a:t>
+            </a:r>
+            <a:r>
+              <a:rPr lang="en-US" b="1"/>
+              <a:t>Success</a:t>
+            </a:r>
+            <a:r>
+              <a:rPr lang="en-US"/>
+              <a:t> looks like, and for what </a:t>
+            </a:r>
+            <a:r>
+              <a:rPr lang="en-US" b="1"/>
+              <a:t>Audience</a:t>
+            </a:r>
+            <a:r>
+              <a:rPr lang="en-US"/>
+              <a:t>.</a:t>
+            </a:r>
+            <a:endParaRPr/>
+          </a:p>
+        </p:txBody>
+      </p:sp>
+    </p:spTree>
+    <p:extLst>
+      <p:ext uri="{BB962C8B-B14F-4D97-AF65-F5344CB8AC3E}">
         <p14:creationId xmlns:p14="http://schemas.microsoft.com/office/powerpoint/2010/main" val="2075184821"/>
       </p:ext>
     </p:extLst>
@@ -4947,7 +5331,7 @@
 </p:notes>
 </file>
 
-<file path=ppt/notesSlides/notesSlide34.xml><?xml version="1.0" encoding="utf-8"?>
+<file path=ppt/notesSlides/notesSlide37.xml><?xml version="1.0" encoding="utf-8"?>
 <p:notes xmlns:a="http://schemas.openxmlformats.org/drawingml/2006/main" xmlns:r="http://schemas.openxmlformats.org/officeDocument/2006/relationships" xmlns:p="http://schemas.openxmlformats.org/presentationml/2006/main" showMasterSp="0" showMasterPhAnim="0">
   <p:cSld>
     <p:spTree>
@@ -5074,7 +5458,7 @@
 </p:notes>
 </file>
 
-<file path=ppt/notesSlides/notesSlide35.xml><?xml version="1.0" encoding="utf-8"?>
+<file path=ppt/notesSlides/notesSlide38.xml><?xml version="1.0" encoding="utf-8"?>
 <p:notes xmlns:a="http://schemas.openxmlformats.org/drawingml/2006/main" xmlns:r="http://schemas.openxmlformats.org/officeDocument/2006/relationships" xmlns:p="http://schemas.openxmlformats.org/presentationml/2006/main" showMasterSp="0" showMasterPhAnim="0">
   <p:cSld>
     <p:spTree>
@@ -13016,7 +13400,7 @@
                 <a:cs typeface="Proxima Nova"/>
                 <a:sym typeface="Proxima Nova"/>
               </a:rPr>
-              <a:t>An </a:t>
+              <a:t>Developing An </a:t>
             </a:r>
             <a:r>
               <a:rPr lang="en-SG" sz="2400" b="1" dirty="0">
@@ -13027,7 +13411,21 @@
                 <a:latin typeface="Proxima Nova" panose="020B0604020202020204" charset="0"/>
                 <a:ea typeface="Arial" panose="020B0604020202020204" pitchFamily="34" charset="0"/>
               </a:rPr>
-              <a:t>Intrusion Detection Alarm </a:t>
+              <a:t>Intrusion Detection</a:t>
+            </a:r>
+          </a:p>
+          <a:p>
+            <a:pPr marL="0" indent="0"/>
+            <a:r>
+              <a:rPr lang="en-SG" sz="2400" b="1" dirty="0">
+                <a:solidFill>
+                  <a:schemeClr val="bg2"/>
+                </a:solidFill>
+                <a:effectLst/>
+                <a:latin typeface="Proxima Nova" panose="020B0604020202020204" charset="0"/>
+                <a:ea typeface="Arial" panose="020B0604020202020204" pitchFamily="34" charset="0"/>
+              </a:rPr>
+              <a:t> Alarm </a:t>
             </a:r>
             <a:r>
               <a:rPr lang="en-SG" sz="2400" b="1" dirty="0">
@@ -13063,7 +13461,7 @@
               <a:t> </a:t>
             </a:r>
             <a:br>
-              <a:rPr lang="en-US" sz="4300" b="1" dirty="0">
+              <a:rPr lang="en-US" sz="2000" b="1" dirty="0">
                 <a:solidFill>
                   <a:schemeClr val="dk1"/>
                 </a:solidFill>
@@ -13073,7 +13471,7 @@
                 <a:sym typeface="Proxima Nova"/>
               </a:rPr>
             </a:br>
-            <a:endParaRPr lang="en-US" sz="1000" b="1" dirty="0">
+            <a:endParaRPr lang="en-US" sz="2000" b="1" dirty="0">
               <a:solidFill>
                 <a:schemeClr val="dk1"/>
               </a:solidFill>
@@ -13086,7 +13484,7 @@
           <a:p>
             <a:pPr marL="0" indent="0"/>
             <a:br>
-              <a:rPr lang="en-US" sz="4300" b="1" dirty="0">
+              <a:rPr lang="en-US" sz="2000" b="1" dirty="0">
                 <a:solidFill>
                   <a:schemeClr val="dk1"/>
                 </a:solidFill>
@@ -14950,8 +15348,8 @@
         </p:blipFill>
         <p:spPr>
           <a:xfrm>
-            <a:off x="245738" y="1313576"/>
-            <a:ext cx="4249507" cy="3164764"/>
+            <a:off x="311699" y="1355642"/>
+            <a:ext cx="4193021" cy="3122697"/>
           </a:xfrm>
           <a:prstGeom prst="rect">
             <a:avLst/>
@@ -14987,7 +15385,7 @@
         </p:blipFill>
         <p:spPr>
           <a:xfrm>
-            <a:off x="4545992" y="1411550"/>
+            <a:off x="4639279" y="1496047"/>
             <a:ext cx="4193021" cy="2897795"/>
           </a:xfrm>
           <a:prstGeom prst="rect">
@@ -18149,6 +18547,216 @@
           </a:p>
         </p:txBody>
       </p:sp>
+      <p:pic>
+        <p:nvPicPr>
+          <p:cNvPr id="2" name="Picture 1">
+            <a:extLst>
+              <a:ext uri="{FF2B5EF4-FFF2-40B4-BE49-F238E27FC236}">
+                <a16:creationId xmlns:a16="http://schemas.microsoft.com/office/drawing/2014/main" id="{200BB174-1250-43F7-07A3-3706CB504AEA}"/>
+              </a:ext>
+            </a:extLst>
+          </p:cNvPr>
+          <p:cNvPicPr>
+            <a:picLocks noChangeAspect="1"/>
+          </p:cNvPicPr>
+          <p:nvPr/>
+        </p:nvPicPr>
+        <p:blipFill>
+          <a:blip r:embed="rId3"/>
+          <a:stretch>
+            <a:fillRect/>
+          </a:stretch>
+        </p:blipFill>
+        <p:spPr>
+          <a:xfrm>
+            <a:off x="318333" y="1504305"/>
+            <a:ext cx="3657600" cy="828625"/>
+          </a:xfrm>
+          <a:prstGeom prst="rect">
+            <a:avLst/>
+          </a:prstGeom>
+          <a:ln>
+            <a:solidFill>
+              <a:srgbClr val="0070C0"/>
+            </a:solidFill>
+          </a:ln>
+        </p:spPr>
+      </p:pic>
+      <p:pic>
+        <p:nvPicPr>
+          <p:cNvPr id="3" name="Picture 2">
+            <a:extLst>
+              <a:ext uri="{FF2B5EF4-FFF2-40B4-BE49-F238E27FC236}">
+                <a16:creationId xmlns:a16="http://schemas.microsoft.com/office/drawing/2014/main" id="{2D27D837-881F-942D-1FB3-DF8FD04CB39A}"/>
+              </a:ext>
+            </a:extLst>
+          </p:cNvPr>
+          <p:cNvPicPr>
+            <a:picLocks noChangeAspect="1"/>
+          </p:cNvPicPr>
+          <p:nvPr/>
+        </p:nvPicPr>
+        <p:blipFill>
+          <a:blip r:embed="rId4"/>
+          <a:stretch>
+            <a:fillRect/>
+          </a:stretch>
+        </p:blipFill>
+        <p:spPr>
+          <a:xfrm>
+            <a:off x="304800" y="2615048"/>
+            <a:ext cx="3657600" cy="828625"/>
+          </a:xfrm>
+          <a:prstGeom prst="rect">
+            <a:avLst/>
+          </a:prstGeom>
+          <a:ln>
+            <a:solidFill>
+              <a:srgbClr val="0070C0"/>
+            </a:solidFill>
+          </a:ln>
+        </p:spPr>
+      </p:pic>
+      <p:pic>
+        <p:nvPicPr>
+          <p:cNvPr id="4" name="Picture 3">
+            <a:extLst>
+              <a:ext uri="{FF2B5EF4-FFF2-40B4-BE49-F238E27FC236}">
+                <a16:creationId xmlns:a16="http://schemas.microsoft.com/office/drawing/2014/main" id="{7787C08E-D890-ECBC-1831-2343F717325E}"/>
+              </a:ext>
+            </a:extLst>
+          </p:cNvPr>
+          <p:cNvPicPr>
+            <a:picLocks noChangeAspect="1"/>
+          </p:cNvPicPr>
+          <p:nvPr/>
+        </p:nvPicPr>
+        <p:blipFill>
+          <a:blip r:embed="rId5"/>
+          <a:stretch>
+            <a:fillRect/>
+          </a:stretch>
+        </p:blipFill>
+        <p:spPr>
+          <a:xfrm>
+            <a:off x="318333" y="3725790"/>
+            <a:ext cx="3657600" cy="827160"/>
+          </a:xfrm>
+          <a:prstGeom prst="rect">
+            <a:avLst/>
+          </a:prstGeom>
+          <a:ln>
+            <a:solidFill>
+              <a:srgbClr val="0070C0"/>
+            </a:solidFill>
+          </a:ln>
+        </p:spPr>
+      </p:pic>
+      <p:pic>
+        <p:nvPicPr>
+          <p:cNvPr id="5" name="Picture 4">
+            <a:extLst>
+              <a:ext uri="{FF2B5EF4-FFF2-40B4-BE49-F238E27FC236}">
+                <a16:creationId xmlns:a16="http://schemas.microsoft.com/office/drawing/2014/main" id="{D42CDFA9-4182-3845-9536-6E1730F3E318}"/>
+              </a:ext>
+            </a:extLst>
+          </p:cNvPr>
+          <p:cNvPicPr>
+            <a:picLocks noChangeAspect="1"/>
+          </p:cNvPicPr>
+          <p:nvPr/>
+        </p:nvPicPr>
+        <p:blipFill>
+          <a:blip r:embed="rId6"/>
+          <a:stretch>
+            <a:fillRect/>
+          </a:stretch>
+        </p:blipFill>
+        <p:spPr>
+          <a:xfrm>
+            <a:off x="5181600" y="1504305"/>
+            <a:ext cx="3657600" cy="821356"/>
+          </a:xfrm>
+          <a:prstGeom prst="rect">
+            <a:avLst/>
+          </a:prstGeom>
+          <a:ln>
+            <a:solidFill>
+              <a:srgbClr val="0070C0"/>
+            </a:solidFill>
+          </a:ln>
+        </p:spPr>
+      </p:pic>
+      <p:pic>
+        <p:nvPicPr>
+          <p:cNvPr id="6" name="Picture 5">
+            <a:extLst>
+              <a:ext uri="{FF2B5EF4-FFF2-40B4-BE49-F238E27FC236}">
+                <a16:creationId xmlns:a16="http://schemas.microsoft.com/office/drawing/2014/main" id="{F8FEBEFC-B97E-90B7-7EEE-16CDC34B94B8}"/>
+              </a:ext>
+            </a:extLst>
+          </p:cNvPr>
+          <p:cNvPicPr>
+            <a:picLocks noChangeAspect="1"/>
+          </p:cNvPicPr>
+          <p:nvPr/>
+        </p:nvPicPr>
+        <p:blipFill>
+          <a:blip r:embed="rId7"/>
+          <a:stretch>
+            <a:fillRect/>
+          </a:stretch>
+        </p:blipFill>
+        <p:spPr>
+          <a:xfrm>
+            <a:off x="5181600" y="2610681"/>
+            <a:ext cx="3657600" cy="828625"/>
+          </a:xfrm>
+          <a:prstGeom prst="rect">
+            <a:avLst/>
+          </a:prstGeom>
+          <a:ln>
+            <a:solidFill>
+              <a:srgbClr val="0070C0"/>
+            </a:solidFill>
+          </a:ln>
+        </p:spPr>
+      </p:pic>
+      <p:pic>
+        <p:nvPicPr>
+          <p:cNvPr id="7" name="Picture 6">
+            <a:extLst>
+              <a:ext uri="{FF2B5EF4-FFF2-40B4-BE49-F238E27FC236}">
+                <a16:creationId xmlns:a16="http://schemas.microsoft.com/office/drawing/2014/main" id="{BA702A56-2E02-20EA-C345-2F9ECC6048F5}"/>
+              </a:ext>
+            </a:extLst>
+          </p:cNvPr>
+          <p:cNvPicPr>
+            <a:picLocks noChangeAspect="1"/>
+          </p:cNvPicPr>
+          <p:nvPr/>
+        </p:nvPicPr>
+        <p:blipFill>
+          <a:blip r:embed="rId8"/>
+          <a:stretch>
+            <a:fillRect/>
+          </a:stretch>
+        </p:blipFill>
+        <p:spPr>
+          <a:xfrm>
+            <a:off x="5181600" y="3724325"/>
+            <a:ext cx="3657600" cy="828625"/>
+          </a:xfrm>
+          <a:prstGeom prst="rect">
+            <a:avLst/>
+          </a:prstGeom>
+          <a:ln>
+            <a:solidFill>
+              <a:srgbClr val="0070C0"/>
+            </a:solidFill>
+          </a:ln>
+        </p:spPr>
+      </p:pic>
     </p:spTree>
     <p:extLst>
       <p:ext uri="{BB962C8B-B14F-4D97-AF65-F5344CB8AC3E}">
@@ -18163,6 +18771,488 @@
 </file>
 
 <file path=ppt/slides/slide24.xml><?xml version="1.0" encoding="utf-8"?>
+<p:sld xmlns:a="http://schemas.openxmlformats.org/drawingml/2006/main" xmlns:r="http://schemas.openxmlformats.org/officeDocument/2006/relationships" xmlns:p="http://schemas.openxmlformats.org/presentationml/2006/main">
+  <p:cSld>
+    <p:spTree>
+      <p:nvGrpSpPr>
+        <p:cNvPr id="1" name="Shape 152"/>
+        <p:cNvGrpSpPr/>
+        <p:nvPr/>
+      </p:nvGrpSpPr>
+      <p:grpSpPr>
+        <a:xfrm>
+          <a:off x="0" y="0"/>
+          <a:ext cx="0" cy="0"/>
+          <a:chOff x="0" y="0"/>
+          <a:chExt cx="0" cy="0"/>
+        </a:xfrm>
+      </p:grpSpPr>
+      <p:sp>
+        <p:nvSpPr>
+          <p:cNvPr id="153" name="Google Shape;153;g133c1f20611_0_39"/>
+          <p:cNvSpPr txBox="1">
+            <a:spLocks noGrp="1"/>
+          </p:cNvSpPr>
+          <p:nvPr>
+            <p:ph type="title"/>
+          </p:nvPr>
+        </p:nvSpPr>
+        <p:spPr>
+          <a:xfrm>
+            <a:off x="311700" y="445025"/>
+            <a:ext cx="8520600" cy="572700"/>
+          </a:xfrm>
+          <a:prstGeom prst="rect">
+            <a:avLst/>
+          </a:prstGeom>
+          <a:noFill/>
+          <a:ln>
+            <a:noFill/>
+          </a:ln>
+        </p:spPr>
+        <p:txBody>
+          <a:bodyPr spcFirstLastPara="1" wrap="square" lIns="91425" tIns="91425" rIns="91425" bIns="91425" anchor="t" anchorCtr="0">
+            <a:noAutofit/>
+          </a:bodyPr>
+          <a:lstStyle/>
+          <a:p>
+            <a:r>
+              <a:rPr lang="en-US" dirty="0">
+                <a:solidFill>
+                  <a:srgbClr val="0070C0"/>
+                </a:solidFill>
+              </a:rPr>
+              <a:t>Appendices</a:t>
+            </a:r>
+            <a:br>
+              <a:rPr lang="en-US" dirty="0">
+                <a:solidFill>
+                  <a:srgbClr val="0070C0"/>
+                </a:solidFill>
+              </a:rPr>
+            </a:br>
+            <a:endParaRPr dirty="0">
+              <a:solidFill>
+                <a:srgbClr val="0070C0"/>
+              </a:solidFill>
+            </a:endParaRPr>
+          </a:p>
+        </p:txBody>
+      </p:sp>
+      <p:sp>
+        <p:nvSpPr>
+          <p:cNvPr id="154" name="Google Shape;154;g133c1f20611_0_39"/>
+          <p:cNvSpPr txBox="1">
+            <a:spLocks noGrp="1"/>
+          </p:cNvSpPr>
+          <p:nvPr>
+            <p:ph type="body" idx="1"/>
+          </p:nvPr>
+        </p:nvSpPr>
+        <p:spPr>
+          <a:xfrm>
+            <a:off x="311700" y="1152475"/>
+            <a:ext cx="8520600" cy="3416400"/>
+          </a:xfrm>
+          <a:prstGeom prst="rect">
+            <a:avLst/>
+          </a:prstGeom>
+          <a:noFill/>
+          <a:ln>
+            <a:noFill/>
+          </a:ln>
+        </p:spPr>
+        <p:txBody>
+          <a:bodyPr spcFirstLastPara="1" wrap="square" lIns="91425" tIns="91425" rIns="91425" bIns="91425" anchor="t" anchorCtr="0">
+            <a:noAutofit/>
+          </a:bodyPr>
+          <a:lstStyle/>
+          <a:p>
+            <a:pPr>
+              <a:buFont typeface="Arial" panose="020B0604020202020204" pitchFamily="34" charset="0"/>
+              <a:buChar char="•"/>
+            </a:pPr>
+            <a:endParaRPr lang="en-US" sz="1400" dirty="0"/>
+          </a:p>
+          <a:p>
+            <a:pPr>
+              <a:buFont typeface="Arial" panose="020B0604020202020204" pitchFamily="34" charset="0"/>
+              <a:buChar char="•"/>
+            </a:pPr>
+            <a:endParaRPr lang="en-US" sz="1400" dirty="0"/>
+          </a:p>
+          <a:p>
+            <a:pPr>
+              <a:buFont typeface="Arial" panose="020B0604020202020204" pitchFamily="34" charset="0"/>
+              <a:buChar char="•"/>
+            </a:pPr>
+            <a:endParaRPr lang="en-US" sz="1400" dirty="0"/>
+          </a:p>
+          <a:p>
+            <a:pPr marL="107950" lvl="0" indent="0" algn="l" rtl="0">
+              <a:lnSpc>
+                <a:spcPct val="115000"/>
+              </a:lnSpc>
+              <a:spcBef>
+                <a:spcPts val="0"/>
+              </a:spcBef>
+              <a:spcAft>
+                <a:spcPts val="0"/>
+              </a:spcAft>
+              <a:buSzPts val="1900"/>
+              <a:buNone/>
+            </a:pPr>
+            <a:endParaRPr lang="en-US" sz="1000" dirty="0"/>
+          </a:p>
+        </p:txBody>
+      </p:sp>
+      <p:pic>
+        <p:nvPicPr>
+          <p:cNvPr id="2" name="Picture 1">
+            <a:extLst>
+              <a:ext uri="{FF2B5EF4-FFF2-40B4-BE49-F238E27FC236}">
+                <a16:creationId xmlns:a16="http://schemas.microsoft.com/office/drawing/2014/main" id="{198AA213-90BD-FCCE-75C5-47A09D0BCAA8}"/>
+              </a:ext>
+            </a:extLst>
+          </p:cNvPr>
+          <p:cNvPicPr>
+            <a:picLocks noChangeAspect="1"/>
+          </p:cNvPicPr>
+          <p:nvPr/>
+        </p:nvPicPr>
+        <p:blipFill>
+          <a:blip r:embed="rId3"/>
+          <a:stretch>
+            <a:fillRect/>
+          </a:stretch>
+        </p:blipFill>
+        <p:spPr>
+          <a:xfrm>
+            <a:off x="311700" y="1177975"/>
+            <a:ext cx="3538847" cy="3370330"/>
+          </a:xfrm>
+          <a:prstGeom prst="rect">
+            <a:avLst/>
+          </a:prstGeom>
+          <a:ln>
+            <a:solidFill>
+              <a:srgbClr val="0070C0"/>
+            </a:solidFill>
+          </a:ln>
+        </p:spPr>
+      </p:pic>
+    </p:spTree>
+    <p:extLst>
+      <p:ext uri="{BB962C8B-B14F-4D97-AF65-F5344CB8AC3E}">
+        <p14:creationId xmlns:p14="http://schemas.microsoft.com/office/powerpoint/2010/main" val="1956929327"/>
+      </p:ext>
+    </p:extLst>
+  </p:cSld>
+  <p:clrMapOvr>
+    <a:masterClrMapping/>
+  </p:clrMapOvr>
+</p:sld>
+</file>
+
+<file path=ppt/slides/slide25.xml><?xml version="1.0" encoding="utf-8"?>
+<p:sld xmlns:a="http://schemas.openxmlformats.org/drawingml/2006/main" xmlns:r="http://schemas.openxmlformats.org/officeDocument/2006/relationships" xmlns:p="http://schemas.openxmlformats.org/presentationml/2006/main">
+  <p:cSld>
+    <p:spTree>
+      <p:nvGrpSpPr>
+        <p:cNvPr id="1" name="Shape 152"/>
+        <p:cNvGrpSpPr/>
+        <p:nvPr/>
+      </p:nvGrpSpPr>
+      <p:grpSpPr>
+        <a:xfrm>
+          <a:off x="0" y="0"/>
+          <a:ext cx="0" cy="0"/>
+          <a:chOff x="0" y="0"/>
+          <a:chExt cx="0" cy="0"/>
+        </a:xfrm>
+      </p:grpSpPr>
+      <p:sp>
+        <p:nvSpPr>
+          <p:cNvPr id="153" name="Google Shape;153;g133c1f20611_0_39"/>
+          <p:cNvSpPr txBox="1">
+            <a:spLocks noGrp="1"/>
+          </p:cNvSpPr>
+          <p:nvPr>
+            <p:ph type="title"/>
+          </p:nvPr>
+        </p:nvSpPr>
+        <p:spPr>
+          <a:xfrm>
+            <a:off x="311700" y="445025"/>
+            <a:ext cx="8520600" cy="572700"/>
+          </a:xfrm>
+          <a:prstGeom prst="rect">
+            <a:avLst/>
+          </a:prstGeom>
+          <a:noFill/>
+          <a:ln>
+            <a:noFill/>
+          </a:ln>
+        </p:spPr>
+        <p:txBody>
+          <a:bodyPr spcFirstLastPara="1" wrap="square" lIns="91425" tIns="91425" rIns="91425" bIns="91425" anchor="t" anchorCtr="0">
+            <a:noAutofit/>
+          </a:bodyPr>
+          <a:lstStyle/>
+          <a:p>
+            <a:r>
+              <a:rPr lang="en-US" dirty="0">
+                <a:solidFill>
+                  <a:srgbClr val="0070C0"/>
+                </a:solidFill>
+              </a:rPr>
+              <a:t>Appendices</a:t>
+            </a:r>
+            <a:br>
+              <a:rPr lang="en-US" dirty="0">
+                <a:solidFill>
+                  <a:srgbClr val="0070C0"/>
+                </a:solidFill>
+              </a:rPr>
+            </a:br>
+            <a:endParaRPr dirty="0">
+              <a:solidFill>
+                <a:srgbClr val="0070C0"/>
+              </a:solidFill>
+            </a:endParaRPr>
+          </a:p>
+        </p:txBody>
+      </p:sp>
+      <p:sp>
+        <p:nvSpPr>
+          <p:cNvPr id="154" name="Google Shape;154;g133c1f20611_0_39"/>
+          <p:cNvSpPr txBox="1">
+            <a:spLocks noGrp="1"/>
+          </p:cNvSpPr>
+          <p:nvPr>
+            <p:ph type="body" idx="1"/>
+          </p:nvPr>
+        </p:nvSpPr>
+        <p:spPr>
+          <a:xfrm>
+            <a:off x="311700" y="1152475"/>
+            <a:ext cx="8520600" cy="3416400"/>
+          </a:xfrm>
+          <a:prstGeom prst="rect">
+            <a:avLst/>
+          </a:prstGeom>
+          <a:noFill/>
+          <a:ln>
+            <a:noFill/>
+          </a:ln>
+        </p:spPr>
+        <p:txBody>
+          <a:bodyPr spcFirstLastPara="1" wrap="square" lIns="91425" tIns="91425" rIns="91425" bIns="91425" anchor="t" anchorCtr="0">
+            <a:noAutofit/>
+          </a:bodyPr>
+          <a:lstStyle/>
+          <a:p>
+            <a:pPr>
+              <a:buFont typeface="Arial" panose="020B0604020202020204" pitchFamily="34" charset="0"/>
+              <a:buChar char="•"/>
+            </a:pPr>
+            <a:endParaRPr lang="en-US" sz="1400" dirty="0"/>
+          </a:p>
+          <a:p>
+            <a:pPr>
+              <a:buFont typeface="Arial" panose="020B0604020202020204" pitchFamily="34" charset="0"/>
+              <a:buChar char="•"/>
+            </a:pPr>
+            <a:endParaRPr lang="en-US" sz="1400" dirty="0"/>
+          </a:p>
+          <a:p>
+            <a:pPr>
+              <a:buFont typeface="Arial" panose="020B0604020202020204" pitchFamily="34" charset="0"/>
+              <a:buChar char="•"/>
+            </a:pPr>
+            <a:endParaRPr lang="en-US" sz="1400" dirty="0"/>
+          </a:p>
+          <a:p>
+            <a:pPr marL="107950" lvl="0" indent="0" algn="l" rtl="0">
+              <a:lnSpc>
+                <a:spcPct val="115000"/>
+              </a:lnSpc>
+              <a:spcBef>
+                <a:spcPts val="0"/>
+              </a:spcBef>
+              <a:spcAft>
+                <a:spcPts val="0"/>
+              </a:spcAft>
+              <a:buSzPts val="1900"/>
+              <a:buNone/>
+            </a:pPr>
+            <a:endParaRPr lang="en-US" sz="1000" dirty="0"/>
+          </a:p>
+        </p:txBody>
+      </p:sp>
+    </p:spTree>
+    <p:extLst>
+      <p:ext uri="{BB962C8B-B14F-4D97-AF65-F5344CB8AC3E}">
+        <p14:creationId xmlns:p14="http://schemas.microsoft.com/office/powerpoint/2010/main" val="2826760572"/>
+      </p:ext>
+    </p:extLst>
+  </p:cSld>
+  <p:clrMapOvr>
+    <a:masterClrMapping/>
+  </p:clrMapOvr>
+</p:sld>
+</file>
+
+<file path=ppt/slides/slide26.xml><?xml version="1.0" encoding="utf-8"?>
+<p:sld xmlns:a="http://schemas.openxmlformats.org/drawingml/2006/main" xmlns:r="http://schemas.openxmlformats.org/officeDocument/2006/relationships" xmlns:p="http://schemas.openxmlformats.org/presentationml/2006/main">
+  <p:cSld>
+    <p:spTree>
+      <p:nvGrpSpPr>
+        <p:cNvPr id="1" name="Shape 152"/>
+        <p:cNvGrpSpPr/>
+        <p:nvPr/>
+      </p:nvGrpSpPr>
+      <p:grpSpPr>
+        <a:xfrm>
+          <a:off x="0" y="0"/>
+          <a:ext cx="0" cy="0"/>
+          <a:chOff x="0" y="0"/>
+          <a:chExt cx="0" cy="0"/>
+        </a:xfrm>
+      </p:grpSpPr>
+      <p:sp>
+        <p:nvSpPr>
+          <p:cNvPr id="153" name="Google Shape;153;g133c1f20611_0_39"/>
+          <p:cNvSpPr txBox="1">
+            <a:spLocks noGrp="1"/>
+          </p:cNvSpPr>
+          <p:nvPr>
+            <p:ph type="title"/>
+          </p:nvPr>
+        </p:nvSpPr>
+        <p:spPr>
+          <a:xfrm>
+            <a:off x="311700" y="445025"/>
+            <a:ext cx="8520600" cy="572700"/>
+          </a:xfrm>
+          <a:prstGeom prst="rect">
+            <a:avLst/>
+          </a:prstGeom>
+          <a:noFill/>
+          <a:ln>
+            <a:noFill/>
+          </a:ln>
+        </p:spPr>
+        <p:txBody>
+          <a:bodyPr spcFirstLastPara="1" wrap="square" lIns="91425" tIns="91425" rIns="91425" bIns="91425" anchor="t" anchorCtr="0">
+            <a:noAutofit/>
+          </a:bodyPr>
+          <a:lstStyle/>
+          <a:p>
+            <a:r>
+              <a:rPr lang="en-US" dirty="0">
+                <a:solidFill>
+                  <a:srgbClr val="0070C0"/>
+                </a:solidFill>
+              </a:rPr>
+              <a:t>Appendices</a:t>
+            </a:r>
+            <a:br>
+              <a:rPr lang="en-US" dirty="0">
+                <a:solidFill>
+                  <a:srgbClr val="0070C0"/>
+                </a:solidFill>
+              </a:rPr>
+            </a:br>
+            <a:endParaRPr dirty="0">
+              <a:solidFill>
+                <a:srgbClr val="0070C0"/>
+              </a:solidFill>
+            </a:endParaRPr>
+          </a:p>
+        </p:txBody>
+      </p:sp>
+      <p:sp>
+        <p:nvSpPr>
+          <p:cNvPr id="154" name="Google Shape;154;g133c1f20611_0_39"/>
+          <p:cNvSpPr txBox="1">
+            <a:spLocks noGrp="1"/>
+          </p:cNvSpPr>
+          <p:nvPr>
+            <p:ph type="body" idx="1"/>
+          </p:nvPr>
+        </p:nvSpPr>
+        <p:spPr>
+          <a:xfrm>
+            <a:off x="311700" y="1152475"/>
+            <a:ext cx="8520600" cy="3416400"/>
+          </a:xfrm>
+          <a:prstGeom prst="rect">
+            <a:avLst/>
+          </a:prstGeom>
+          <a:noFill/>
+          <a:ln>
+            <a:noFill/>
+          </a:ln>
+        </p:spPr>
+        <p:txBody>
+          <a:bodyPr spcFirstLastPara="1" wrap="square" lIns="91425" tIns="91425" rIns="91425" bIns="91425" anchor="t" anchorCtr="0">
+            <a:noAutofit/>
+          </a:bodyPr>
+          <a:lstStyle/>
+          <a:p>
+            <a:pPr>
+              <a:buFont typeface="Arial" panose="020B0604020202020204" pitchFamily="34" charset="0"/>
+              <a:buChar char="•"/>
+            </a:pPr>
+            <a:endParaRPr lang="en-US" sz="1400" dirty="0"/>
+          </a:p>
+          <a:p>
+            <a:pPr>
+              <a:buFont typeface="Arial" panose="020B0604020202020204" pitchFamily="34" charset="0"/>
+              <a:buChar char="•"/>
+            </a:pPr>
+            <a:endParaRPr lang="en-US" sz="1400" dirty="0"/>
+          </a:p>
+          <a:p>
+            <a:pPr>
+              <a:buFont typeface="Arial" panose="020B0604020202020204" pitchFamily="34" charset="0"/>
+              <a:buChar char="•"/>
+            </a:pPr>
+            <a:endParaRPr lang="en-US" sz="1400" dirty="0"/>
+          </a:p>
+          <a:p>
+            <a:pPr marL="107950" lvl="0" indent="0" algn="l" rtl="0">
+              <a:lnSpc>
+                <a:spcPct val="115000"/>
+              </a:lnSpc>
+              <a:spcBef>
+                <a:spcPts val="0"/>
+              </a:spcBef>
+              <a:spcAft>
+                <a:spcPts val="0"/>
+              </a:spcAft>
+              <a:buSzPts val="1900"/>
+              <a:buNone/>
+            </a:pPr>
+            <a:endParaRPr lang="en-US" sz="1000" dirty="0"/>
+          </a:p>
+        </p:txBody>
+      </p:sp>
+    </p:spTree>
+    <p:extLst>
+      <p:ext uri="{BB962C8B-B14F-4D97-AF65-F5344CB8AC3E}">
+        <p14:creationId xmlns:p14="http://schemas.microsoft.com/office/powerpoint/2010/main" val="2463138688"/>
+      </p:ext>
+    </p:extLst>
+  </p:cSld>
+  <p:clrMapOvr>
+    <a:masterClrMapping/>
+  </p:clrMapOvr>
+</p:sld>
+</file>
+
+<file path=ppt/slides/slide27.xml><?xml version="1.0" encoding="utf-8"?>
 <p:sld xmlns:a="http://schemas.openxmlformats.org/drawingml/2006/main" xmlns:r="http://schemas.openxmlformats.org/officeDocument/2006/relationships" xmlns:p="http://schemas.openxmlformats.org/presentationml/2006/main">
   <p:cSld>
     <p:spTree>
@@ -18547,7 +19637,7 @@
 </p:sld>
 </file>
 
-<file path=ppt/slides/slide25.xml><?xml version="1.0" encoding="utf-8"?>
+<file path=ppt/slides/slide28.xml><?xml version="1.0" encoding="utf-8"?>
 <p:sld xmlns:a="http://schemas.openxmlformats.org/drawingml/2006/main" xmlns:r="http://schemas.openxmlformats.org/officeDocument/2006/relationships" xmlns:p="http://schemas.openxmlformats.org/presentationml/2006/main">
   <p:cSld>
     <p:spTree>
@@ -18825,7 +19915,7 @@
 </p:sld>
 </file>
 
-<file path=ppt/slides/slide26.xml><?xml version="1.0" encoding="utf-8"?>
+<file path=ppt/slides/slide29.xml><?xml version="1.0" encoding="utf-8"?>
 <p:sld xmlns:a="http://schemas.openxmlformats.org/drawingml/2006/main" xmlns:r="http://schemas.openxmlformats.org/officeDocument/2006/relationships" xmlns:p="http://schemas.openxmlformats.org/presentationml/2006/main">
   <p:cSld>
     <p:spTree>
@@ -19024,802 +20114,6 @@
         </p:txBody>
       </p:sp>
     </p:spTree>
-  </p:cSld>
-  <p:clrMapOvr>
-    <a:masterClrMapping/>
-  </p:clrMapOvr>
-</p:sld>
-</file>
-
-<file path=ppt/slides/slide27.xml><?xml version="1.0" encoding="utf-8"?>
-<p:sld xmlns:a="http://schemas.openxmlformats.org/drawingml/2006/main" xmlns:r="http://schemas.openxmlformats.org/officeDocument/2006/relationships" xmlns:p="http://schemas.openxmlformats.org/presentationml/2006/main">
-  <p:cSld>
-    <p:spTree>
-      <p:nvGrpSpPr>
-        <p:cNvPr id="1" name="Shape 139"/>
-        <p:cNvGrpSpPr/>
-        <p:nvPr/>
-      </p:nvGrpSpPr>
-      <p:grpSpPr>
-        <a:xfrm>
-          <a:off x="0" y="0"/>
-          <a:ext cx="0" cy="0"/>
-          <a:chOff x="0" y="0"/>
-          <a:chExt cx="0" cy="0"/>
-        </a:xfrm>
-      </p:grpSpPr>
-      <p:sp>
-        <p:nvSpPr>
-          <p:cNvPr id="140" name="Google Shape;140;g133c1f20611_0_26"/>
-          <p:cNvSpPr txBox="1">
-            <a:spLocks noGrp="1"/>
-          </p:cNvSpPr>
-          <p:nvPr>
-            <p:ph type="title"/>
-          </p:nvPr>
-        </p:nvSpPr>
-        <p:spPr>
-          <a:prstGeom prst="rect">
-            <a:avLst/>
-          </a:prstGeom>
-          <a:noFill/>
-          <a:ln>
-            <a:noFill/>
-          </a:ln>
-        </p:spPr>
-        <p:txBody>
-          <a:bodyPr spcFirstLastPara="1" wrap="square" lIns="91425" tIns="91425" rIns="91425" bIns="91425" anchor="t" anchorCtr="0">
-            <a:noAutofit/>
-          </a:bodyPr>
-          <a:lstStyle/>
-          <a:p>
-            <a:r>
-              <a:rPr lang="en-US" dirty="0">
-                <a:solidFill>
-                  <a:srgbClr val="0070C0"/>
-                </a:solidFill>
-              </a:rPr>
-              <a:t>MLE Stack (2 min)</a:t>
-            </a:r>
-            <a:endParaRPr dirty="0">
-              <a:solidFill>
-                <a:srgbClr val="0070C0"/>
-              </a:solidFill>
-            </a:endParaRPr>
-          </a:p>
-        </p:txBody>
-      </p:sp>
-      <p:sp>
-        <p:nvSpPr>
-          <p:cNvPr id="3" name="Text Placeholder 2">
-            <a:extLst>
-              <a:ext uri="{FF2B5EF4-FFF2-40B4-BE49-F238E27FC236}">
-                <a16:creationId xmlns:a16="http://schemas.microsoft.com/office/drawing/2014/main" id="{2877AC06-BE06-AA65-B088-6F5AAF7CD6AC}"/>
-              </a:ext>
-            </a:extLst>
-          </p:cNvPr>
-          <p:cNvSpPr>
-            <a:spLocks noGrp="1"/>
-          </p:cNvSpPr>
-          <p:nvPr>
-            <p:ph type="body" idx="1"/>
-          </p:nvPr>
-        </p:nvSpPr>
-        <p:spPr>
-          <a:xfrm>
-            <a:off x="311700" y="1162009"/>
-            <a:ext cx="8520600" cy="3390941"/>
-          </a:xfrm>
-        </p:spPr>
-        <p:txBody>
-          <a:bodyPr/>
-          <a:lstStyle/>
-          <a:p>
-            <a:endParaRPr lang="en-US" dirty="0"/>
-          </a:p>
-        </p:txBody>
-      </p:sp>
-      <p:pic>
-        <p:nvPicPr>
-          <p:cNvPr id="4098" name="Picture 2">
-            <a:extLst>
-              <a:ext uri="{FF2B5EF4-FFF2-40B4-BE49-F238E27FC236}">
-                <a16:creationId xmlns:a16="http://schemas.microsoft.com/office/drawing/2014/main" id="{46C34987-59C2-3B93-F1A2-E3A27840F128}"/>
-              </a:ext>
-            </a:extLst>
-          </p:cNvPr>
-          <p:cNvPicPr>
-            <a:picLocks noChangeAspect="1" noChangeArrowheads="1"/>
-          </p:cNvPicPr>
-          <p:nvPr/>
-        </p:nvPicPr>
-        <p:blipFill>
-          <a:blip r:embed="rId3">
-            <a:extLst>
-              <a:ext uri="{28A0092B-C50C-407E-A947-70E740481C1C}">
-                <a14:useLocalDpi xmlns:a14="http://schemas.microsoft.com/office/drawing/2010/main" val="0"/>
-              </a:ext>
-            </a:extLst>
-          </a:blip>
-          <a:srcRect/>
-          <a:stretch>
-            <a:fillRect/>
-          </a:stretch>
-        </p:blipFill>
-        <p:spPr bwMode="auto">
-          <a:xfrm>
-            <a:off x="1887545" y="1458393"/>
-            <a:ext cx="5368910" cy="2798171"/>
-          </a:xfrm>
-          <a:prstGeom prst="rect">
-            <a:avLst/>
-          </a:prstGeom>
-          <a:noFill/>
-          <a:extLst>
-            <a:ext uri="{909E8E84-426E-40DD-AFC4-6F175D3DCCD1}">
-              <a14:hiddenFill xmlns:a14="http://schemas.microsoft.com/office/drawing/2010/main">
-                <a:solidFill>
-                  <a:srgbClr val="FFFFFF"/>
-                </a:solidFill>
-              </a14:hiddenFill>
-            </a:ext>
-          </a:extLst>
-        </p:spPr>
-      </p:pic>
-      <p:sp>
-        <p:nvSpPr>
-          <p:cNvPr id="2" name="TextBox 1">
-            <a:extLst>
-              <a:ext uri="{FF2B5EF4-FFF2-40B4-BE49-F238E27FC236}">
-                <a16:creationId xmlns:a16="http://schemas.microsoft.com/office/drawing/2014/main" id="{35A60C55-A65A-2986-E023-7868527CF040}"/>
-              </a:ext>
-            </a:extLst>
-          </p:cNvPr>
-          <p:cNvSpPr txBox="1"/>
-          <p:nvPr/>
-        </p:nvSpPr>
-        <p:spPr>
-          <a:xfrm>
-            <a:off x="915956" y="4322118"/>
-            <a:ext cx="7082532" cy="230832"/>
-          </a:xfrm>
-          <a:prstGeom prst="rect">
-            <a:avLst/>
-          </a:prstGeom>
-          <a:noFill/>
-        </p:spPr>
-        <p:txBody>
-          <a:bodyPr wrap="square" rtlCol="0">
-            <a:spAutoFit/>
-          </a:bodyPr>
-          <a:lstStyle/>
-          <a:p>
-            <a:pPr marL="107948" indent="0">
-              <a:buNone/>
-            </a:pPr>
-            <a:r>
-              <a:rPr lang="en-US" sz="900" dirty="0">
-                <a:latin typeface="Proxima Nova" panose="020B0604020202020204" charset="0"/>
-              </a:rPr>
-              <a:t>Source: https://write.agrevolution.in/ds-pipeline-the-much-needed-data-science-infrastructure-design-part-1-the-concept-4ceb57944974</a:t>
-            </a:r>
-          </a:p>
-        </p:txBody>
-      </p:sp>
-      <p:sp>
-        <p:nvSpPr>
-          <p:cNvPr id="4" name="&quot;No&quot; Symbol 3">
-            <a:extLst>
-              <a:ext uri="{FF2B5EF4-FFF2-40B4-BE49-F238E27FC236}">
-                <a16:creationId xmlns:a16="http://schemas.microsoft.com/office/drawing/2014/main" id="{BF104222-22B6-B265-6627-D31FD6165040}"/>
-              </a:ext>
-            </a:extLst>
-          </p:cNvPr>
-          <p:cNvSpPr/>
-          <p:nvPr/>
-        </p:nvSpPr>
-        <p:spPr>
-          <a:xfrm>
-            <a:off x="3820474" y="117006"/>
-            <a:ext cx="1486426" cy="1784812"/>
-          </a:xfrm>
-          <a:prstGeom prst="noSmoking">
-            <a:avLst/>
-          </a:prstGeom>
-        </p:spPr>
-        <p:style>
-          <a:lnRef idx="2">
-            <a:schemeClr val="accent1">
-              <a:shade val="50000"/>
-            </a:schemeClr>
-          </a:lnRef>
-          <a:fillRef idx="1">
-            <a:schemeClr val="accent1"/>
-          </a:fillRef>
-          <a:effectRef idx="0">
-            <a:schemeClr val="accent1"/>
-          </a:effectRef>
-          <a:fontRef idx="minor">
-            <a:schemeClr val="lt1"/>
-          </a:fontRef>
-        </p:style>
-        <p:txBody>
-          <a:bodyPr rtlCol="0" anchor="ctr"/>
-          <a:lstStyle/>
-          <a:p>
-            <a:pPr algn="ctr"/>
-            <a:endParaRPr lang="en-US">
-              <a:solidFill>
-                <a:schemeClr val="tx1"/>
-              </a:solidFill>
-            </a:endParaRPr>
-          </a:p>
-        </p:txBody>
-      </p:sp>
-    </p:spTree>
-    <p:extLst>
-      <p:ext uri="{BB962C8B-B14F-4D97-AF65-F5344CB8AC3E}">
-        <p14:creationId xmlns:p14="http://schemas.microsoft.com/office/powerpoint/2010/main" val="780567771"/>
-      </p:ext>
-    </p:extLst>
-  </p:cSld>
-  <p:clrMapOvr>
-    <a:masterClrMapping/>
-  </p:clrMapOvr>
-</p:sld>
-</file>
-
-<file path=ppt/slides/slide28.xml><?xml version="1.0" encoding="utf-8"?>
-<p:sld xmlns:a="http://schemas.openxmlformats.org/drawingml/2006/main" xmlns:r="http://schemas.openxmlformats.org/officeDocument/2006/relationships" xmlns:p="http://schemas.openxmlformats.org/presentationml/2006/main">
-  <p:cSld>
-    <p:spTree>
-      <p:nvGrpSpPr>
-        <p:cNvPr id="1" name="Shape 120"/>
-        <p:cNvGrpSpPr/>
-        <p:nvPr/>
-      </p:nvGrpSpPr>
-      <p:grpSpPr>
-        <a:xfrm>
-          <a:off x="0" y="0"/>
-          <a:ext cx="0" cy="0"/>
-          <a:chOff x="0" y="0"/>
-          <a:chExt cx="0" cy="0"/>
-        </a:xfrm>
-      </p:grpSpPr>
-      <p:sp>
-        <p:nvSpPr>
-          <p:cNvPr id="121" name="Google Shape;121;g133c1f20611_0_10"/>
-          <p:cNvSpPr txBox="1">
-            <a:spLocks noGrp="1"/>
-          </p:cNvSpPr>
-          <p:nvPr>
-            <p:ph type="title"/>
-          </p:nvPr>
-        </p:nvSpPr>
-        <p:spPr>
-          <a:xfrm>
-            <a:off x="311700" y="445025"/>
-            <a:ext cx="8520600" cy="572700"/>
-          </a:xfrm>
-          <a:prstGeom prst="rect">
-            <a:avLst/>
-          </a:prstGeom>
-          <a:noFill/>
-          <a:ln>
-            <a:noFill/>
-          </a:ln>
-        </p:spPr>
-        <p:txBody>
-          <a:bodyPr spcFirstLastPara="1" wrap="square" lIns="91425" tIns="91425" rIns="91425" bIns="91425" anchor="t" anchorCtr="0">
-            <a:noAutofit/>
-          </a:bodyPr>
-          <a:lstStyle/>
-          <a:p>
-            <a:r>
-              <a:rPr lang="en-US" dirty="0">
-                <a:solidFill>
-                  <a:srgbClr val="0070C0"/>
-                </a:solidFill>
-                <a:highlight>
-                  <a:srgbClr val="FFFF00"/>
-                </a:highlight>
-              </a:rPr>
-              <a:t>Industry insights</a:t>
-            </a:r>
-            <a:endParaRPr dirty="0">
-              <a:highlight>
-                <a:srgbClr val="FFFF00"/>
-              </a:highlight>
-            </a:endParaRPr>
-          </a:p>
-        </p:txBody>
-      </p:sp>
-      <p:sp>
-        <p:nvSpPr>
-          <p:cNvPr id="2" name="Google Shape;122;g133c1f20611_0_10">
-            <a:extLst>
-              <a:ext uri="{FF2B5EF4-FFF2-40B4-BE49-F238E27FC236}">
-                <a16:creationId xmlns:a16="http://schemas.microsoft.com/office/drawing/2014/main" id="{4AEB22DA-6A87-CEF7-24FA-D3259EF61131}"/>
-              </a:ext>
-            </a:extLst>
-          </p:cNvPr>
-          <p:cNvSpPr txBox="1">
-            <a:spLocks noGrp="1"/>
-          </p:cNvSpPr>
-          <p:nvPr>
-            <p:ph type="body" idx="1"/>
-          </p:nvPr>
-        </p:nvSpPr>
-        <p:spPr>
-          <a:xfrm>
-            <a:off x="311700" y="1152475"/>
-            <a:ext cx="8520600" cy="3416400"/>
-          </a:xfrm>
-          <a:prstGeom prst="rect">
-            <a:avLst/>
-          </a:prstGeom>
-          <a:noFill/>
-          <a:ln>
-            <a:noFill/>
-          </a:ln>
-        </p:spPr>
-        <p:txBody>
-          <a:bodyPr spcFirstLastPara="1" wrap="square" lIns="91425" tIns="91425" rIns="91425" bIns="91425" anchor="t" anchorCtr="0">
-            <a:noAutofit/>
-          </a:bodyPr>
-          <a:lstStyle/>
-          <a:p>
-            <a:pPr>
-              <a:buFont typeface="Wingdings" panose="05000000000000000000" pitchFamily="2" charset="2"/>
-              <a:buChar char="§"/>
-            </a:pPr>
-            <a:endParaRPr lang="en-US" sz="1200" i="1" u="sng" dirty="0">
-              <a:solidFill>
-                <a:schemeClr val="bg2"/>
-              </a:solidFill>
-              <a:latin typeface="Proxima Nova" panose="020B0604020202020204" charset="0"/>
-            </a:endParaRPr>
-          </a:p>
-          <a:p>
-            <a:pPr>
-              <a:buFont typeface="Arial" panose="020B0604020202020204" pitchFamily="34" charset="0"/>
-              <a:buChar char="•"/>
-            </a:pPr>
-            <a:r>
-              <a:rPr lang="en-US" sz="1400" dirty="0"/>
-              <a:t>Deep Learning for Network Traffic Monitoring and Analysis (NTMA)</a:t>
-            </a:r>
-          </a:p>
-          <a:p>
-            <a:pPr>
-              <a:buFont typeface="Arial" panose="020B0604020202020204" pitchFamily="34" charset="0"/>
-              <a:buChar char="•"/>
-            </a:pPr>
-            <a:r>
-              <a:rPr lang="en-US" sz="1400" dirty="0"/>
-              <a:t>	</a:t>
-            </a:r>
-            <a:r>
-              <a:rPr lang="en-US" sz="1000" dirty="0"/>
-              <a:t>https://www.sciencedirect.com/science/article/pii/S0140366421000426#b96</a:t>
-            </a:r>
-          </a:p>
-          <a:p>
-            <a:pPr>
-              <a:buFont typeface="Arial" panose="020B0604020202020204" pitchFamily="34" charset="0"/>
-              <a:buChar char="•"/>
-            </a:pPr>
-            <a:r>
-              <a:rPr lang="en-US" sz="1400" dirty="0"/>
-              <a:t>The experiments revealed that DL models provides better accuracy (with 99.20%) than the classical ML models (with 95.22%).</a:t>
-            </a:r>
-          </a:p>
-          <a:p>
-            <a:pPr>
-              <a:buFont typeface="Arial" panose="020B0604020202020204" pitchFamily="34" charset="0"/>
-              <a:buChar char="•"/>
-            </a:pPr>
-            <a:r>
-              <a:rPr lang="en-US" sz="1400" dirty="0"/>
-              <a:t>The authors claimed that in highly distributed networks, such as IoT systems, the traditional techniques such as classical ML techniques for NTMA purposes (e.g., attack detection) have less scalability. As a result, they proposed edge-based deep learning to deal with modern communication systems’ distributed and complex nature. The vast amount of data generated by IoT edge devices allow DL models to learn more useful than classical ML models.</a:t>
-            </a:r>
-          </a:p>
-          <a:p>
-            <a:pPr>
-              <a:buFont typeface="Arial" panose="020B0604020202020204" pitchFamily="34" charset="0"/>
-              <a:buChar char="•"/>
-            </a:pPr>
-            <a:endParaRPr lang="en-US" sz="1400" dirty="0"/>
-          </a:p>
-          <a:p>
-            <a:pPr>
-              <a:buFont typeface="Arial" panose="020B0604020202020204" pitchFamily="34" charset="0"/>
-              <a:buChar char="•"/>
-            </a:pPr>
-            <a:r>
-              <a:rPr lang="en-US" sz="1000" dirty="0">
-                <a:hlinkClick r:id="rId3">
-                  <a:extLst>
-                    <a:ext uri="{A12FA001-AC4F-418D-AE19-62706E023703}">
-                      <ahyp:hlinkClr xmlns:ahyp="http://schemas.microsoft.com/office/drawing/2018/hyperlinkcolor" val="tx"/>
-                    </a:ext>
-                  </a:extLst>
-                </a:hlinkClick>
-              </a:rPr>
-              <a:t>https://learn.microsoft.com/en-us/azure/</a:t>
-            </a:r>
-            <a:r>
-              <a:rPr lang="en-US" sz="1000" dirty="0"/>
-              <a:t>/</a:t>
-            </a:r>
-            <a:r>
-              <a:rPr lang="en-US" sz="1000" dirty="0" err="1"/>
-              <a:t>strea</a:t>
-            </a:r>
-            <a:r>
-              <a:rPr lang="en-US" sz="1000" dirty="0" err="1">
-                <a:hlinkClick r:id="rId3">
-                  <a:extLst>
-                    <a:ext uri="{A12FA001-AC4F-418D-AE19-62706E023703}">
-                      <ahyp:hlinkClr xmlns:ahyp="http://schemas.microsoft.com/office/drawing/2018/hyperlinkcolor" val="tx"/>
-                    </a:ext>
-                  </a:extLst>
-                </a:hlinkClick>
-              </a:rPr>
-              <a:t>iot</a:t>
-            </a:r>
-            <a:r>
-              <a:rPr lang="en-US" sz="1000" dirty="0">
-                <a:hlinkClick r:id="rId3">
-                  <a:extLst>
-                    <a:ext uri="{A12FA001-AC4F-418D-AE19-62706E023703}">
-                      <ahyp:hlinkClr xmlns:ahyp="http://schemas.microsoft.com/office/drawing/2018/hyperlinkcolor" val="tx"/>
-                    </a:ext>
-                  </a:extLst>
-                </a:hlinkClick>
-              </a:rPr>
-              <a:t>-hub/iot-hub-live-data-visualization-in-power-bi</a:t>
-            </a:r>
-            <a:endParaRPr lang="en-US" sz="1000" dirty="0"/>
-          </a:p>
-          <a:p>
-            <a:pPr>
-              <a:buFont typeface="Arial" panose="020B0604020202020204" pitchFamily="34" charset="0"/>
-              <a:buChar char="•"/>
-            </a:pPr>
-            <a:r>
-              <a:rPr lang="en-US" sz="1000" dirty="0"/>
-              <a:t>https://</a:t>
-            </a:r>
-            <a:r>
-              <a:rPr lang="en-US" sz="1000" dirty="0" err="1"/>
-              <a:t>www.databricks.com</a:t>
-            </a:r>
-            <a:r>
-              <a:rPr lang="en-US" sz="1000" dirty="0"/>
-              <a:t>/blog/2022/05/05ming-windows-event-logs-into-the-cybersecurity-lakehouse.html</a:t>
-            </a:r>
-          </a:p>
-        </p:txBody>
-      </p:sp>
-      <p:sp>
-        <p:nvSpPr>
-          <p:cNvPr id="4" name="&quot;No&quot; Symbol 3">
-            <a:extLst>
-              <a:ext uri="{FF2B5EF4-FFF2-40B4-BE49-F238E27FC236}">
-                <a16:creationId xmlns:a16="http://schemas.microsoft.com/office/drawing/2014/main" id="{DEFCBC3A-6DD1-8A8C-23DD-F8FA24AF5D8D}"/>
-              </a:ext>
-            </a:extLst>
-          </p:cNvPr>
-          <p:cNvSpPr/>
-          <p:nvPr/>
-        </p:nvSpPr>
-        <p:spPr>
-          <a:xfrm>
-            <a:off x="3828787" y="64846"/>
-            <a:ext cx="1486426" cy="1784812"/>
-          </a:xfrm>
-          <a:prstGeom prst="noSmoking">
-            <a:avLst/>
-          </a:prstGeom>
-        </p:spPr>
-        <p:style>
-          <a:lnRef idx="2">
-            <a:schemeClr val="accent1">
-              <a:shade val="50000"/>
-            </a:schemeClr>
-          </a:lnRef>
-          <a:fillRef idx="1">
-            <a:schemeClr val="accent1"/>
-          </a:fillRef>
-          <a:effectRef idx="0">
-            <a:schemeClr val="accent1"/>
-          </a:effectRef>
-          <a:fontRef idx="minor">
-            <a:schemeClr val="lt1"/>
-          </a:fontRef>
-        </p:style>
-        <p:txBody>
-          <a:bodyPr rtlCol="0" anchor="ctr"/>
-          <a:lstStyle/>
-          <a:p>
-            <a:pPr algn="ctr"/>
-            <a:endParaRPr lang="en-US">
-              <a:solidFill>
-                <a:schemeClr val="tx1"/>
-              </a:solidFill>
-            </a:endParaRPr>
-          </a:p>
-        </p:txBody>
-      </p:sp>
-    </p:spTree>
-    <p:extLst>
-      <p:ext uri="{BB962C8B-B14F-4D97-AF65-F5344CB8AC3E}">
-        <p14:creationId xmlns:p14="http://schemas.microsoft.com/office/powerpoint/2010/main" val="1384140254"/>
-      </p:ext>
-    </p:extLst>
-  </p:cSld>
-  <p:clrMapOvr>
-    <a:masterClrMapping/>
-  </p:clrMapOvr>
-</p:sld>
-</file>
-
-<file path=ppt/slides/slide29.xml><?xml version="1.0" encoding="utf-8"?>
-<p:sld xmlns:a="http://schemas.openxmlformats.org/drawingml/2006/main" xmlns:r="http://schemas.openxmlformats.org/officeDocument/2006/relationships" xmlns:p="http://schemas.openxmlformats.org/presentationml/2006/main">
-  <p:cSld>
-    <p:spTree>
-      <p:nvGrpSpPr>
-        <p:cNvPr id="1" name="Shape 120"/>
-        <p:cNvGrpSpPr/>
-        <p:nvPr/>
-      </p:nvGrpSpPr>
-      <p:grpSpPr>
-        <a:xfrm>
-          <a:off x="0" y="0"/>
-          <a:ext cx="0" cy="0"/>
-          <a:chOff x="0" y="0"/>
-          <a:chExt cx="0" cy="0"/>
-        </a:xfrm>
-      </p:grpSpPr>
-      <p:sp>
-        <p:nvSpPr>
-          <p:cNvPr id="121" name="Google Shape;121;g133c1f20611_0_10"/>
-          <p:cNvSpPr txBox="1">
-            <a:spLocks noGrp="1"/>
-          </p:cNvSpPr>
-          <p:nvPr>
-            <p:ph type="title"/>
-          </p:nvPr>
-        </p:nvSpPr>
-        <p:spPr>
-          <a:xfrm>
-            <a:off x="311700" y="445025"/>
-            <a:ext cx="8520600" cy="572700"/>
-          </a:xfrm>
-          <a:prstGeom prst="rect">
-            <a:avLst/>
-          </a:prstGeom>
-          <a:noFill/>
-          <a:ln>
-            <a:noFill/>
-          </a:ln>
-        </p:spPr>
-        <p:txBody>
-          <a:bodyPr spcFirstLastPara="1" wrap="square" lIns="91425" tIns="91425" rIns="91425" bIns="91425" anchor="t" anchorCtr="0">
-            <a:noAutofit/>
-          </a:bodyPr>
-          <a:lstStyle/>
-          <a:p>
-            <a:r>
-              <a:rPr lang="en-US" dirty="0" err="1">
-                <a:solidFill>
-                  <a:srgbClr val="0070C0"/>
-                </a:solidFill>
-                <a:highlight>
-                  <a:srgbClr val="FFFF00"/>
-                </a:highlight>
-              </a:rPr>
-              <a:t>DeepInsight</a:t>
-            </a:r>
-            <a:r>
-              <a:rPr lang="en-US" dirty="0">
-                <a:solidFill>
-                  <a:srgbClr val="0070C0"/>
-                </a:solidFill>
-                <a:highlight>
-                  <a:srgbClr val="FFFF00"/>
-                </a:highlight>
-              </a:rPr>
-              <a:t> pipeline</a:t>
-            </a:r>
-            <a:endParaRPr dirty="0">
-              <a:highlight>
-                <a:srgbClr val="FFFF00"/>
-              </a:highlight>
-            </a:endParaRPr>
-          </a:p>
-        </p:txBody>
-      </p:sp>
-      <p:sp>
-        <p:nvSpPr>
-          <p:cNvPr id="2" name="Google Shape;122;g133c1f20611_0_10">
-            <a:extLst>
-              <a:ext uri="{FF2B5EF4-FFF2-40B4-BE49-F238E27FC236}">
-                <a16:creationId xmlns:a16="http://schemas.microsoft.com/office/drawing/2014/main" id="{4AEB22DA-6A87-CEF7-24FA-D3259EF61131}"/>
-              </a:ext>
-            </a:extLst>
-          </p:cNvPr>
-          <p:cNvSpPr txBox="1">
-            <a:spLocks noGrp="1"/>
-          </p:cNvSpPr>
-          <p:nvPr>
-            <p:ph type="body" idx="1"/>
-          </p:nvPr>
-        </p:nvSpPr>
-        <p:spPr>
-          <a:xfrm>
-            <a:off x="311700" y="1152475"/>
-            <a:ext cx="8520600" cy="3416400"/>
-          </a:xfrm>
-          <a:prstGeom prst="rect">
-            <a:avLst/>
-          </a:prstGeom>
-          <a:noFill/>
-          <a:ln>
-            <a:noFill/>
-          </a:ln>
-        </p:spPr>
-        <p:txBody>
-          <a:bodyPr spcFirstLastPara="1" wrap="square" lIns="91425" tIns="91425" rIns="91425" bIns="91425" anchor="t" anchorCtr="0">
-            <a:noAutofit/>
-          </a:bodyPr>
-          <a:lstStyle/>
-          <a:p>
-            <a:pPr>
-              <a:buFont typeface="Wingdings" panose="05000000000000000000" pitchFamily="2" charset="2"/>
-              <a:buChar char="§"/>
-            </a:pPr>
-            <a:r>
-              <a:rPr lang="en-US" sz="1200" dirty="0">
-                <a:latin typeface="Proxima Nova" panose="020B0604020202020204" charset="0"/>
-              </a:rPr>
-              <a:t>The conversion from Cartesian coordinates to pixel frames is done by averaging some features as the image size has a pixel limitation.</a:t>
-            </a:r>
-          </a:p>
-          <a:p>
-            <a:pPr>
-              <a:buFont typeface="Wingdings" panose="05000000000000000000" pitchFamily="2" charset="2"/>
-              <a:buChar char="§"/>
-            </a:pPr>
-            <a:endParaRPr lang="en-US" sz="1200" dirty="0">
-              <a:latin typeface="Proxima Nova" panose="020B0604020202020204" charset="0"/>
-            </a:endParaRPr>
-          </a:p>
-          <a:p>
-            <a:pPr marL="107948" indent="0">
-              <a:buNone/>
-            </a:pPr>
-            <a:r>
-              <a:rPr lang="en-US" sz="1200" dirty="0">
-                <a:latin typeface="Proxima Nova" panose="020B0604020202020204" charset="0"/>
-              </a:rPr>
-              <a:t>Drawbacks and concerns: </a:t>
-            </a:r>
-          </a:p>
-          <a:p>
-            <a:pPr marL="107948" indent="0">
-              <a:buNone/>
-            </a:pPr>
-            <a:endParaRPr lang="en-US" sz="1200" dirty="0">
-              <a:latin typeface="Proxima Nova" panose="020B0604020202020204" charset="0"/>
-            </a:endParaRPr>
-          </a:p>
-          <a:p>
-            <a:pPr marL="107948" indent="0">
-              <a:buNone/>
-            </a:pPr>
-            <a:r>
-              <a:rPr lang="en-US" sz="1200" dirty="0">
-                <a:latin typeface="Proxima Nova" panose="020B0604020202020204" charset="0"/>
-              </a:rPr>
-              <a:t>1) If the resolution of image or grid size is very small (compared to the number of features given), then many features overlap with each other, and image representation may not be very accurate. An appropriate resolution should be selected given the hardware capacity and the number of features required to process. Alternatively, dimensionality reduction may be applied a priori. </a:t>
-            </a:r>
-          </a:p>
-          <a:p>
-            <a:pPr marL="107948" indent="0">
-              <a:buNone/>
-            </a:pPr>
-            <a:endParaRPr lang="en-US" sz="1200" i="1" u="sng" dirty="0">
-              <a:solidFill>
-                <a:schemeClr val="bg2"/>
-              </a:solidFill>
-              <a:latin typeface="Proxima Nova" panose="020B0604020202020204" charset="0"/>
-            </a:endParaRPr>
-          </a:p>
-          <a:p>
-            <a:pPr marL="107948" indent="0">
-              <a:buNone/>
-            </a:pPr>
-            <a:r>
-              <a:rPr lang="en-US" sz="1200" dirty="0">
-                <a:solidFill>
-                  <a:schemeClr val="bg2"/>
-                </a:solidFill>
-                <a:latin typeface="Proxima Nova" panose="020B0604020202020204" charset="0"/>
-              </a:rPr>
-              <a:t>2) The authors acknowledge the fact that classical ML algorithms that employ experts- and manually-based methods for feature extraction are not appropriate for modern networks due to: (1) handheld devices’ massive deployment, such as smartphones and tablets, considerably increases mobile traffic volume, (2) the massive adoption of the encrypted network protocols, e.g., Transport Layer Security (TLS), reduces the effectiveness of DPI techniques based on ML algorithms, and (3) considering the ever-increasing development of mobile applications and the changing nature of mobile traffic, implementing up-to-date and accurate traffic classifiers through classical ML algorithms is challenging.</a:t>
-            </a:r>
-          </a:p>
-          <a:p>
-            <a:pPr marL="107948" indent="0">
-              <a:buNone/>
-            </a:pPr>
-            <a:endParaRPr lang="en-US" sz="1400" i="1" u="sng" dirty="0">
-              <a:solidFill>
-                <a:schemeClr val="bg2"/>
-              </a:solidFill>
-              <a:latin typeface="Proxima Nova" panose="020B0604020202020204" charset="0"/>
-            </a:endParaRPr>
-          </a:p>
-        </p:txBody>
-      </p:sp>
-      <p:sp>
-        <p:nvSpPr>
-          <p:cNvPr id="3" name="&quot;No&quot; Symbol 2">
-            <a:extLst>
-              <a:ext uri="{FF2B5EF4-FFF2-40B4-BE49-F238E27FC236}">
-                <a16:creationId xmlns:a16="http://schemas.microsoft.com/office/drawing/2014/main" id="{9BE57F07-8277-8BC7-977F-2A6C0AC682D5}"/>
-              </a:ext>
-            </a:extLst>
-          </p:cNvPr>
-          <p:cNvSpPr/>
-          <p:nvPr/>
-        </p:nvSpPr>
-        <p:spPr>
-          <a:xfrm>
-            <a:off x="6691746" y="1471352"/>
-            <a:ext cx="935593" cy="782509"/>
-          </a:xfrm>
-          <a:prstGeom prst="noSmoking">
-            <a:avLst/>
-          </a:prstGeom>
-        </p:spPr>
-        <p:style>
-          <a:lnRef idx="2">
-            <a:schemeClr val="accent1">
-              <a:shade val="50000"/>
-            </a:schemeClr>
-          </a:lnRef>
-          <a:fillRef idx="1">
-            <a:schemeClr val="accent1"/>
-          </a:fillRef>
-          <a:effectRef idx="0">
-            <a:schemeClr val="accent1"/>
-          </a:effectRef>
-          <a:fontRef idx="minor">
-            <a:schemeClr val="lt1"/>
-          </a:fontRef>
-        </p:style>
-        <p:txBody>
-          <a:bodyPr rtlCol="0" anchor="ctr"/>
-          <a:lstStyle/>
-          <a:p>
-            <a:pPr algn="ctr"/>
-            <a:endParaRPr lang="en-US">
-              <a:solidFill>
-                <a:schemeClr val="tx1"/>
-              </a:solidFill>
-            </a:endParaRPr>
-          </a:p>
-        </p:txBody>
-      </p:sp>
-    </p:spTree>
-    <p:extLst>
-      <p:ext uri="{BB962C8B-B14F-4D97-AF65-F5344CB8AC3E}">
-        <p14:creationId xmlns:p14="http://schemas.microsoft.com/office/powerpoint/2010/main" val="2704675486"/>
-      </p:ext>
-    </p:extLst>
   </p:cSld>
   <p:clrMapOvr>
     <a:masterClrMapping/>
@@ -20191,7 +20485,7 @@
   <p:cSld>
     <p:spTree>
       <p:nvGrpSpPr>
-        <p:cNvPr id="1" name="Shape 120"/>
+        <p:cNvPr id="1" name="Shape 139"/>
         <p:cNvGrpSpPr/>
         <p:nvPr/>
       </p:nvGrpSpPr>
@@ -20205,7 +20499,7 @@
       </p:grpSpPr>
       <p:sp>
         <p:nvSpPr>
-          <p:cNvPr id="121" name="Google Shape;121;g133c1f20611_0_10"/>
+          <p:cNvPr id="140" name="Google Shape;140;g133c1f20611_0_26"/>
           <p:cNvSpPr txBox="1">
             <a:spLocks noGrp="1"/>
           </p:cNvSpPr>
@@ -20214,10 +20508,6 @@
           </p:nvPr>
         </p:nvSpPr>
         <p:spPr>
-          <a:xfrm>
-            <a:off x="311700" y="445025"/>
-            <a:ext cx="8520600" cy="572700"/>
-          </a:xfrm>
           <a:prstGeom prst="rect">
             <a:avLst/>
           </a:prstGeom>
@@ -20237,30 +20527,27 @@
                 <a:solidFill>
                   <a:srgbClr val="0070C0"/>
                 </a:solidFill>
-                <a:highlight>
-                  <a:srgbClr val="FFFF00"/>
-                </a:highlight>
-              </a:rPr>
-              <a:t>Models</a:t>
+              </a:rPr>
+              <a:t>MLE Stack (2 min)</a:t>
             </a:r>
             <a:endParaRPr dirty="0">
-              <a:highlight>
-                <a:srgbClr val="FFFF00"/>
-              </a:highlight>
+              <a:solidFill>
+                <a:srgbClr val="0070C0"/>
+              </a:solidFill>
             </a:endParaRPr>
           </a:p>
         </p:txBody>
       </p:sp>
       <p:sp>
         <p:nvSpPr>
-          <p:cNvPr id="2" name="Google Shape;122;g133c1f20611_0_10">
+          <p:cNvPr id="3" name="Text Placeholder 2">
             <a:extLst>
               <a:ext uri="{FF2B5EF4-FFF2-40B4-BE49-F238E27FC236}">
-                <a16:creationId xmlns:a16="http://schemas.microsoft.com/office/drawing/2014/main" id="{4AEB22DA-6A87-CEF7-24FA-D3259EF61131}"/>
+                <a16:creationId xmlns:a16="http://schemas.microsoft.com/office/drawing/2014/main" id="{2877AC06-BE06-AA65-B088-6F5AAF7CD6AC}"/>
               </a:ext>
             </a:extLst>
           </p:cNvPr>
-          <p:cNvSpPr txBox="1">
+          <p:cNvSpPr>
             <a:spLocks noGrp="1"/>
           </p:cNvSpPr>
           <p:nvPr>
@@ -20269,81 +20556,111 @@
         </p:nvSpPr>
         <p:spPr>
           <a:xfrm>
-            <a:off x="311700" y="1152475"/>
-            <a:ext cx="8520600" cy="3416400"/>
+            <a:off x="311700" y="1162009"/>
+            <a:ext cx="8520600" cy="3390941"/>
+          </a:xfrm>
+        </p:spPr>
+        <p:txBody>
+          <a:bodyPr/>
+          <a:lstStyle/>
+          <a:p>
+            <a:endParaRPr lang="en-US" dirty="0"/>
+          </a:p>
+        </p:txBody>
+      </p:sp>
+      <p:pic>
+        <p:nvPicPr>
+          <p:cNvPr id="4098" name="Picture 2">
+            <a:extLst>
+              <a:ext uri="{FF2B5EF4-FFF2-40B4-BE49-F238E27FC236}">
+                <a16:creationId xmlns:a16="http://schemas.microsoft.com/office/drawing/2014/main" id="{46C34987-59C2-3B93-F1A2-E3A27840F128}"/>
+              </a:ext>
+            </a:extLst>
+          </p:cNvPr>
+          <p:cNvPicPr>
+            <a:picLocks noChangeAspect="1" noChangeArrowheads="1"/>
+          </p:cNvPicPr>
+          <p:nvPr/>
+        </p:nvPicPr>
+        <p:blipFill>
+          <a:blip r:embed="rId3">
+            <a:extLst>
+              <a:ext uri="{28A0092B-C50C-407E-A947-70E740481C1C}">
+                <a14:useLocalDpi xmlns:a14="http://schemas.microsoft.com/office/drawing/2010/main" val="0"/>
+              </a:ext>
+            </a:extLst>
+          </a:blip>
+          <a:srcRect/>
+          <a:stretch>
+            <a:fillRect/>
+          </a:stretch>
+        </p:blipFill>
+        <p:spPr bwMode="auto">
+          <a:xfrm>
+            <a:off x="1887545" y="1458393"/>
+            <a:ext cx="5368910" cy="2798171"/>
           </a:xfrm>
           <a:prstGeom prst="rect">
             <a:avLst/>
           </a:prstGeom>
           <a:noFill/>
-          <a:ln>
-            <a:noFill/>
-          </a:ln>
+          <a:extLst>
+            <a:ext uri="{909E8E84-426E-40DD-AFC4-6F175D3DCCD1}">
+              <a14:hiddenFill xmlns:a14="http://schemas.microsoft.com/office/drawing/2010/main">
+                <a:solidFill>
+                  <a:srgbClr val="FFFFFF"/>
+                </a:solidFill>
+              </a14:hiddenFill>
+            </a:ext>
+          </a:extLst>
+        </p:spPr>
+      </p:pic>
+      <p:sp>
+        <p:nvSpPr>
+          <p:cNvPr id="2" name="TextBox 1">
+            <a:extLst>
+              <a:ext uri="{FF2B5EF4-FFF2-40B4-BE49-F238E27FC236}">
+                <a16:creationId xmlns:a16="http://schemas.microsoft.com/office/drawing/2014/main" id="{35A60C55-A65A-2986-E023-7868527CF040}"/>
+              </a:ext>
+            </a:extLst>
+          </p:cNvPr>
+          <p:cNvSpPr txBox="1"/>
+          <p:nvPr/>
+        </p:nvSpPr>
+        <p:spPr>
+          <a:xfrm>
+            <a:off x="915956" y="4322118"/>
+            <a:ext cx="7082532" cy="230832"/>
+          </a:xfrm>
+          <a:prstGeom prst="rect">
+            <a:avLst/>
+          </a:prstGeom>
+          <a:noFill/>
         </p:spPr>
         <p:txBody>
-          <a:bodyPr spcFirstLastPara="1" wrap="square" lIns="91425" tIns="91425" rIns="91425" bIns="91425" anchor="t" anchorCtr="0">
-            <a:noAutofit/>
+          <a:bodyPr wrap="square" rtlCol="0">
+            <a:spAutoFit/>
           </a:bodyPr>
           <a:lstStyle/>
           <a:p>
-            <a:pPr>
-              <a:buFont typeface="Wingdings" panose="05000000000000000000" pitchFamily="2" charset="2"/>
-              <a:buChar char="§"/>
-            </a:pPr>
-            <a:r>
-              <a:rPr lang="en-US" sz="1400" dirty="0" err="1">
-                <a:solidFill>
-                  <a:schemeClr val="bg2"/>
-                </a:solidFill>
+            <a:pPr marL="107948" indent="0">
+              <a:buNone/>
+            </a:pPr>
+            <a:r>
+              <a:rPr lang="en-US" sz="900" dirty="0">
                 <a:latin typeface="Proxima Nova" panose="020B0604020202020204" charset="0"/>
               </a:rPr>
-              <a:t>Aceto</a:t>
-            </a:r>
-            <a:r>
-              <a:rPr lang="en-US" sz="1400" dirty="0">
-                <a:solidFill>
-                  <a:schemeClr val="bg2"/>
-                </a:solidFill>
-                <a:latin typeface="Proxima Nova" panose="020B0604020202020204" charset="0"/>
-              </a:rPr>
-              <a:t> et al. [x] studied DL-based models for mobile traffic classification. They reproduced several DL classifiers, e.g., MLP, LSTM, CNN, and SAE, from the traffic classification literature in order to make a comprehensive evaluation for showing the accuracy of these classifiers.</a:t>
-            </a:r>
-          </a:p>
-          <a:p>
-            <a:pPr>
-              <a:buFont typeface="Wingdings" panose="05000000000000000000" pitchFamily="2" charset="2"/>
-              <a:buChar char="§"/>
-            </a:pPr>
-            <a:endParaRPr lang="en-US" sz="1400" dirty="0">
-              <a:solidFill>
-                <a:schemeClr val="bg2"/>
-              </a:solidFill>
-              <a:latin typeface="Proxima Nova" panose="020B0604020202020204" charset="0"/>
-            </a:endParaRPr>
-          </a:p>
-          <a:p>
-            <a:pPr>
-              <a:buFont typeface="Wingdings" panose="05000000000000000000" pitchFamily="2" charset="2"/>
-              <a:buChar char="§"/>
-            </a:pPr>
-            <a:r>
-              <a:rPr lang="en-US" sz="1400" dirty="0">
-                <a:solidFill>
-                  <a:schemeClr val="bg2"/>
-                </a:solidFill>
-                <a:latin typeface="Proxima Nova" panose="020B0604020202020204" charset="0"/>
-              </a:rPr>
-              <a:t>Among DL-based classifiers, the best performance is related to 1D-CNN with 76.37%/85.70% accuracy and the F-measure of 75.56%/78.78% on FB-FBM and Android dataset, respectively.</a:t>
+              <a:t>Source: https://write.agrevolution.in/ds-pipeline-the-much-needed-data-science-infrastructure-design-part-1-the-concept-4ceb57944974</a:t>
             </a:r>
           </a:p>
         </p:txBody>
       </p:sp>
       <p:sp>
         <p:nvSpPr>
-          <p:cNvPr id="3" name="&quot;No&quot; Symbol 2">
+          <p:cNvPr id="4" name="&quot;No&quot; Symbol 3">
             <a:extLst>
               <a:ext uri="{FF2B5EF4-FFF2-40B4-BE49-F238E27FC236}">
-                <a16:creationId xmlns:a16="http://schemas.microsoft.com/office/drawing/2014/main" id="{F17BCD48-AB94-EA90-4604-E8F51DFFB4C9}"/>
+                <a16:creationId xmlns:a16="http://schemas.microsoft.com/office/drawing/2014/main" id="{BF104222-22B6-B265-6627-D31FD6165040}"/>
               </a:ext>
             </a:extLst>
           </p:cNvPr>
@@ -20352,8 +20669,8 @@
         </p:nvSpPr>
         <p:spPr>
           <a:xfrm>
-            <a:off x="6126480" y="2979297"/>
-            <a:ext cx="1176662" cy="1011728"/>
+            <a:off x="3820474" y="117006"/>
+            <a:ext cx="1486426" cy="1784812"/>
           </a:xfrm>
           <a:prstGeom prst="noSmoking">
             <a:avLst/>
@@ -20391,7 +20708,7 @@
     </p:spTree>
     <p:extLst>
       <p:ext uri="{BB962C8B-B14F-4D97-AF65-F5344CB8AC3E}">
-        <p14:creationId xmlns:p14="http://schemas.microsoft.com/office/powerpoint/2010/main" val="1351287979"/>
+        <p14:creationId xmlns:p14="http://schemas.microsoft.com/office/powerpoint/2010/main" val="780567771"/>
       </p:ext>
     </p:extLst>
   </p:cSld>
@@ -20456,7 +20773,7 @@
                   <a:srgbClr val="FFFF00"/>
                 </a:highlight>
               </a:rPr>
-              <a:t>Models (industry)</a:t>
+              <a:t>Industry insights</a:t>
             </a:r>
             <a:endParaRPr dirty="0">
               <a:highlight>
@@ -20505,17 +20822,7 @@
               <a:buFont typeface="Wingdings" panose="05000000000000000000" pitchFamily="2" charset="2"/>
               <a:buChar char="§"/>
             </a:pPr>
-            <a:r>
-              <a:rPr lang="en-US" sz="1000" dirty="0">
-                <a:solidFill>
-                  <a:schemeClr val="bg2"/>
-                </a:solidFill>
-                <a:latin typeface="Proxima Nova" panose="020B0604020202020204" charset="0"/>
-                <a:hlinkClick r:id="rId3"/>
-              </a:rPr>
-              <a:t>https://www.nature.com/articles/s41598-019-47765-6</a:t>
-            </a:r>
-            <a:endParaRPr lang="en-US" sz="1000" dirty="0">
+            <a:endParaRPr lang="en-US" sz="1200" i="1" u="sng" dirty="0">
               <a:solidFill>
                 <a:schemeClr val="bg2"/>
               </a:solidFill>
@@ -20524,50 +20831,132 @@
           </a:p>
           <a:p>
             <a:pPr>
-              <a:buFont typeface="Wingdings" panose="05000000000000000000" pitchFamily="2" charset="2"/>
-              <a:buChar char="§"/>
-            </a:pPr>
-            <a:endParaRPr lang="en-US" sz="1000" dirty="0">
-              <a:solidFill>
-                <a:schemeClr val="bg2"/>
-              </a:solidFill>
-              <a:latin typeface="Proxima Nova" panose="020B0604020202020204" charset="0"/>
-            </a:endParaRPr>
+              <a:buFont typeface="Arial" panose="020B0604020202020204" pitchFamily="34" charset="0"/>
+              <a:buChar char="•"/>
+            </a:pPr>
+            <a:r>
+              <a:rPr lang="en-US" sz="1400" dirty="0"/>
+              <a:t>Deep Learning for Network Traffic Monitoring and Analysis (NTMA)</a:t>
+            </a:r>
           </a:p>
           <a:p>
             <a:pPr>
-              <a:buFont typeface="Wingdings" panose="05000000000000000000" pitchFamily="2" charset="2"/>
-              <a:buChar char="§"/>
+              <a:buFont typeface="Arial" panose="020B0604020202020204" pitchFamily="34" charset="0"/>
+              <a:buChar char="•"/>
+            </a:pPr>
+            <a:r>
+              <a:rPr lang="en-US" sz="1400" dirty="0"/>
+              <a:t>	</a:t>
+            </a:r>
+            <a:r>
+              <a:rPr lang="en-US" sz="1000" dirty="0"/>
+              <a:t>https://www.sciencedirect.com/science/article/pii/S0140366421000426#b96</a:t>
+            </a:r>
+          </a:p>
+          <a:p>
+            <a:pPr>
+              <a:buFont typeface="Arial" panose="020B0604020202020204" pitchFamily="34" charset="0"/>
+              <a:buChar char="•"/>
+            </a:pPr>
+            <a:r>
+              <a:rPr lang="en-US" sz="1400" dirty="0"/>
+              <a:t>The experiments revealed that DL models provides better accuracy (with 99.20%) than the classical ML models (with 95.22%).</a:t>
+            </a:r>
+          </a:p>
+          <a:p>
+            <a:pPr>
+              <a:buFont typeface="Arial" panose="020B0604020202020204" pitchFamily="34" charset="0"/>
+              <a:buChar char="•"/>
+            </a:pPr>
+            <a:r>
+              <a:rPr lang="en-US" sz="1400" dirty="0"/>
+              <a:t>The authors claimed that in highly distributed networks, such as IoT systems, the traditional techniques such as classical ML techniques for NTMA purposes (e.g., attack detection) have less scalability. As a result, they proposed edge-based deep learning to deal with modern communication systems’ distributed and complex nature. The vast amount of data generated by IoT edge devices allow DL models to learn more useful than classical ML models.</a:t>
+            </a:r>
+          </a:p>
+          <a:p>
+            <a:pPr>
+              <a:buFont typeface="Arial" panose="020B0604020202020204" pitchFamily="34" charset="0"/>
+              <a:buChar char="•"/>
+            </a:pPr>
+            <a:endParaRPr lang="en-US" sz="1400" dirty="0"/>
+          </a:p>
+          <a:p>
+            <a:pPr>
+              <a:buFont typeface="Arial" panose="020B0604020202020204" pitchFamily="34" charset="0"/>
+              <a:buChar char="•"/>
             </a:pPr>
             <a:r>
               <a:rPr lang="en-US" sz="1000" dirty="0">
-                <a:solidFill>
-                  <a:schemeClr val="bg2"/>
-                </a:solidFill>
-                <a:latin typeface="Proxima Nova" panose="020B0604020202020204" charset="0"/>
-              </a:rPr>
-              <a:t>As mentioned, one of the main advantages of CNNs compared to conventional neural networks is the automatic detection of the important features and hierarchical feature extraction. A simple CNN model proposed in [93] for the categorization of encrypted traffic. This paper is one of the first works leveraging CNNs in the context of traffic classification, in which encrypted traffic is transformed into two-dimensional images, and then the images fed into the CNN model to be classified.</a:t>
-            </a:r>
-          </a:p>
-          <a:p>
-            <a:pPr marL="107948" indent="0">
-              <a:buNone/>
-            </a:pPr>
-            <a:endParaRPr lang="en-US" sz="1000" dirty="0">
-              <a:solidFill>
-                <a:schemeClr val="bg2"/>
-              </a:solidFill>
-              <a:latin typeface="Proxima Nova" panose="020B0604020202020204" charset="0"/>
-            </a:endParaRPr>
+                <a:hlinkClick r:id="rId3">
+                  <a:extLst>
+                    <a:ext uri="{A12FA001-AC4F-418D-AE19-62706E023703}">
+                      <ahyp:hlinkClr xmlns:ahyp="http://schemas.microsoft.com/office/drawing/2018/hyperlinkcolor" val="tx"/>
+                    </a:ext>
+                  </a:extLst>
+                </a:hlinkClick>
+              </a:rPr>
+              <a:t>https://learn.microsoft.com/en-us/azure/</a:t>
+            </a:r>
+            <a:r>
+              <a:rPr lang="en-US" sz="1000" dirty="0"/>
+              <a:t>/</a:t>
+            </a:r>
+            <a:r>
+              <a:rPr lang="en-US" sz="1000" dirty="0" err="1"/>
+              <a:t>strea</a:t>
+            </a:r>
+            <a:r>
+              <a:rPr lang="en-US" sz="1000" dirty="0" err="1">
+                <a:hlinkClick r:id="rId3">
+                  <a:extLst>
+                    <a:ext uri="{A12FA001-AC4F-418D-AE19-62706E023703}">
+                      <ahyp:hlinkClr xmlns:ahyp="http://schemas.microsoft.com/office/drawing/2018/hyperlinkcolor" val="tx"/>
+                    </a:ext>
+                  </a:extLst>
+                </a:hlinkClick>
+              </a:rPr>
+              <a:t>iot</a:t>
+            </a:r>
+            <a:r>
+              <a:rPr lang="en-US" sz="1000" dirty="0">
+                <a:hlinkClick r:id="rId3">
+                  <a:extLst>
+                    <a:ext uri="{A12FA001-AC4F-418D-AE19-62706E023703}">
+                      <ahyp:hlinkClr xmlns:ahyp="http://schemas.microsoft.com/office/drawing/2018/hyperlinkcolor" val="tx"/>
+                    </a:ext>
+                  </a:extLst>
+                </a:hlinkClick>
+              </a:rPr>
+              <a:t>-hub/iot-hub-live-data-visualization-in-power-bi</a:t>
+            </a:r>
+            <a:endParaRPr lang="en-US" sz="1000" dirty="0"/>
+          </a:p>
+          <a:p>
+            <a:pPr>
+              <a:buFont typeface="Arial" panose="020B0604020202020204" pitchFamily="34" charset="0"/>
+              <a:buChar char="•"/>
+            </a:pPr>
+            <a:r>
+              <a:rPr lang="en-US" sz="1000" dirty="0"/>
+              <a:t>https://</a:t>
+            </a:r>
+            <a:r>
+              <a:rPr lang="en-US" sz="1000" dirty="0" err="1"/>
+              <a:t>www.databricks.com</a:t>
+            </a:r>
+            <a:r>
+              <a:rPr lang="en-US" sz="1000" dirty="0"/>
+              <a:t>/blog/2022/05/05ming-windows-event-logs-into-the-cybersecurity-lakehouse.html</a:t>
+            </a:r>
           </a:p>
         </p:txBody>
       </p:sp>
       <p:sp>
         <p:nvSpPr>
-          <p:cNvPr id="3" name="&quot;No&quot; Symbol 2">
+          <p:cNvPr id="4" name="&quot;No&quot; Symbol 3">
             <a:extLst>
               <a:ext uri="{FF2B5EF4-FFF2-40B4-BE49-F238E27FC236}">
-                <a16:creationId xmlns:a16="http://schemas.microsoft.com/office/drawing/2014/main" id="{A914ADFC-26D0-A892-E32D-3E80365321D2}"/>
+                <a16:creationId xmlns:a16="http://schemas.microsoft.com/office/drawing/2014/main" id="{DEFCBC3A-6DD1-8A8C-23DD-F8FA24AF5D8D}"/>
               </a:ext>
             </a:extLst>
           </p:cNvPr>
@@ -20576,8 +20965,8 @@
         </p:nvSpPr>
         <p:spPr>
           <a:xfrm>
-            <a:off x="7473143" y="3125585"/>
-            <a:ext cx="1259789" cy="1360863"/>
+            <a:off x="3828787" y="64846"/>
+            <a:ext cx="1486426" cy="1784812"/>
           </a:xfrm>
           <a:prstGeom prst="noSmoking">
             <a:avLst/>
@@ -20615,7 +21004,7 @@
     </p:spTree>
     <p:extLst>
       <p:ext uri="{BB962C8B-B14F-4D97-AF65-F5344CB8AC3E}">
-        <p14:creationId xmlns:p14="http://schemas.microsoft.com/office/powerpoint/2010/main" val="2325453369"/>
+        <p14:creationId xmlns:p14="http://schemas.microsoft.com/office/powerpoint/2010/main" val="1384140254"/>
       </p:ext>
     </p:extLst>
   </p:cSld>
@@ -20672,6 +21061,707 @@
           <a:lstStyle/>
           <a:p>
             <a:r>
+              <a:rPr lang="en-US" dirty="0" err="1">
+                <a:solidFill>
+                  <a:srgbClr val="0070C0"/>
+                </a:solidFill>
+                <a:highlight>
+                  <a:srgbClr val="FFFF00"/>
+                </a:highlight>
+              </a:rPr>
+              <a:t>DeepInsight</a:t>
+            </a:r>
+            <a:r>
+              <a:rPr lang="en-US" dirty="0">
+                <a:solidFill>
+                  <a:srgbClr val="0070C0"/>
+                </a:solidFill>
+                <a:highlight>
+                  <a:srgbClr val="FFFF00"/>
+                </a:highlight>
+              </a:rPr>
+              <a:t> pipeline</a:t>
+            </a:r>
+            <a:endParaRPr dirty="0">
+              <a:highlight>
+                <a:srgbClr val="FFFF00"/>
+              </a:highlight>
+            </a:endParaRPr>
+          </a:p>
+        </p:txBody>
+      </p:sp>
+      <p:sp>
+        <p:nvSpPr>
+          <p:cNvPr id="2" name="Google Shape;122;g133c1f20611_0_10">
+            <a:extLst>
+              <a:ext uri="{FF2B5EF4-FFF2-40B4-BE49-F238E27FC236}">
+                <a16:creationId xmlns:a16="http://schemas.microsoft.com/office/drawing/2014/main" id="{4AEB22DA-6A87-CEF7-24FA-D3259EF61131}"/>
+              </a:ext>
+            </a:extLst>
+          </p:cNvPr>
+          <p:cNvSpPr txBox="1">
+            <a:spLocks noGrp="1"/>
+          </p:cNvSpPr>
+          <p:nvPr>
+            <p:ph type="body" idx="1"/>
+          </p:nvPr>
+        </p:nvSpPr>
+        <p:spPr>
+          <a:xfrm>
+            <a:off x="311700" y="1152475"/>
+            <a:ext cx="8520600" cy="3416400"/>
+          </a:xfrm>
+          <a:prstGeom prst="rect">
+            <a:avLst/>
+          </a:prstGeom>
+          <a:noFill/>
+          <a:ln>
+            <a:noFill/>
+          </a:ln>
+        </p:spPr>
+        <p:txBody>
+          <a:bodyPr spcFirstLastPara="1" wrap="square" lIns="91425" tIns="91425" rIns="91425" bIns="91425" anchor="t" anchorCtr="0">
+            <a:noAutofit/>
+          </a:bodyPr>
+          <a:lstStyle/>
+          <a:p>
+            <a:pPr>
+              <a:buFont typeface="Wingdings" panose="05000000000000000000" pitchFamily="2" charset="2"/>
+              <a:buChar char="§"/>
+            </a:pPr>
+            <a:r>
+              <a:rPr lang="en-US" sz="1200" dirty="0">
+                <a:latin typeface="Proxima Nova" panose="020B0604020202020204" charset="0"/>
+              </a:rPr>
+              <a:t>The conversion from Cartesian coordinates to pixel frames is done by averaging some features as the image size has a pixel limitation.</a:t>
+            </a:r>
+          </a:p>
+          <a:p>
+            <a:pPr>
+              <a:buFont typeface="Wingdings" panose="05000000000000000000" pitchFamily="2" charset="2"/>
+              <a:buChar char="§"/>
+            </a:pPr>
+            <a:endParaRPr lang="en-US" sz="1200" dirty="0">
+              <a:latin typeface="Proxima Nova" panose="020B0604020202020204" charset="0"/>
+            </a:endParaRPr>
+          </a:p>
+          <a:p>
+            <a:pPr marL="107948" indent="0">
+              <a:buNone/>
+            </a:pPr>
+            <a:r>
+              <a:rPr lang="en-US" sz="1200" dirty="0">
+                <a:latin typeface="Proxima Nova" panose="020B0604020202020204" charset="0"/>
+              </a:rPr>
+              <a:t>Drawbacks and concerns: </a:t>
+            </a:r>
+          </a:p>
+          <a:p>
+            <a:pPr marL="107948" indent="0">
+              <a:buNone/>
+            </a:pPr>
+            <a:endParaRPr lang="en-US" sz="1200" dirty="0">
+              <a:latin typeface="Proxima Nova" panose="020B0604020202020204" charset="0"/>
+            </a:endParaRPr>
+          </a:p>
+          <a:p>
+            <a:pPr marL="107948" indent="0">
+              <a:buNone/>
+            </a:pPr>
+            <a:r>
+              <a:rPr lang="en-US" sz="1200" dirty="0">
+                <a:latin typeface="Proxima Nova" panose="020B0604020202020204" charset="0"/>
+              </a:rPr>
+              <a:t>1) If the resolution of image or grid size is very small (compared to the number of features given), then many features overlap with each other, and image representation may not be very accurate. An appropriate resolution should be selected given the hardware capacity and the number of features required to process. Alternatively, dimensionality reduction may be applied a priori. </a:t>
+            </a:r>
+          </a:p>
+          <a:p>
+            <a:pPr marL="107948" indent="0">
+              <a:buNone/>
+            </a:pPr>
+            <a:endParaRPr lang="en-US" sz="1200" i="1" u="sng" dirty="0">
+              <a:solidFill>
+                <a:schemeClr val="bg2"/>
+              </a:solidFill>
+              <a:latin typeface="Proxima Nova" panose="020B0604020202020204" charset="0"/>
+            </a:endParaRPr>
+          </a:p>
+          <a:p>
+            <a:pPr marL="107948" indent="0">
+              <a:buNone/>
+            </a:pPr>
+            <a:r>
+              <a:rPr lang="en-US" sz="1200" dirty="0">
+                <a:solidFill>
+                  <a:schemeClr val="bg2"/>
+                </a:solidFill>
+                <a:latin typeface="Proxima Nova" panose="020B0604020202020204" charset="0"/>
+              </a:rPr>
+              <a:t>2) The authors acknowledge the fact that classical ML algorithms that employ experts- and manually-based methods for feature extraction are not appropriate for modern networks due to: (1) handheld devices’ massive deployment, such as smartphones and tablets, considerably increases mobile traffic volume, (2) the massive adoption of the encrypted network protocols, e.g., Transport Layer Security (TLS), reduces the effectiveness of DPI techniques based on ML algorithms, and (3) considering the ever-increasing development of mobile applications and the changing nature of mobile traffic, implementing up-to-date and accurate traffic classifiers through classical ML algorithms is challenging.</a:t>
+            </a:r>
+          </a:p>
+          <a:p>
+            <a:pPr marL="107948" indent="0">
+              <a:buNone/>
+            </a:pPr>
+            <a:endParaRPr lang="en-US" sz="1400" i="1" u="sng" dirty="0">
+              <a:solidFill>
+                <a:schemeClr val="bg2"/>
+              </a:solidFill>
+              <a:latin typeface="Proxima Nova" panose="020B0604020202020204" charset="0"/>
+            </a:endParaRPr>
+          </a:p>
+        </p:txBody>
+      </p:sp>
+      <p:sp>
+        <p:nvSpPr>
+          <p:cNvPr id="3" name="&quot;No&quot; Symbol 2">
+            <a:extLst>
+              <a:ext uri="{FF2B5EF4-FFF2-40B4-BE49-F238E27FC236}">
+                <a16:creationId xmlns:a16="http://schemas.microsoft.com/office/drawing/2014/main" id="{9BE57F07-8277-8BC7-977F-2A6C0AC682D5}"/>
+              </a:ext>
+            </a:extLst>
+          </p:cNvPr>
+          <p:cNvSpPr/>
+          <p:nvPr/>
+        </p:nvSpPr>
+        <p:spPr>
+          <a:xfrm>
+            <a:off x="6691746" y="1471352"/>
+            <a:ext cx="935593" cy="782509"/>
+          </a:xfrm>
+          <a:prstGeom prst="noSmoking">
+            <a:avLst/>
+          </a:prstGeom>
+        </p:spPr>
+        <p:style>
+          <a:lnRef idx="2">
+            <a:schemeClr val="accent1">
+              <a:shade val="50000"/>
+            </a:schemeClr>
+          </a:lnRef>
+          <a:fillRef idx="1">
+            <a:schemeClr val="accent1"/>
+          </a:fillRef>
+          <a:effectRef idx="0">
+            <a:schemeClr val="accent1"/>
+          </a:effectRef>
+          <a:fontRef idx="minor">
+            <a:schemeClr val="lt1"/>
+          </a:fontRef>
+        </p:style>
+        <p:txBody>
+          <a:bodyPr rtlCol="0" anchor="ctr"/>
+          <a:lstStyle/>
+          <a:p>
+            <a:pPr algn="ctr"/>
+            <a:endParaRPr lang="en-US">
+              <a:solidFill>
+                <a:schemeClr val="tx1"/>
+              </a:solidFill>
+            </a:endParaRPr>
+          </a:p>
+        </p:txBody>
+      </p:sp>
+    </p:spTree>
+    <p:extLst>
+      <p:ext uri="{BB962C8B-B14F-4D97-AF65-F5344CB8AC3E}">
+        <p14:creationId xmlns:p14="http://schemas.microsoft.com/office/powerpoint/2010/main" val="2704675486"/>
+      </p:ext>
+    </p:extLst>
+  </p:cSld>
+  <p:clrMapOvr>
+    <a:masterClrMapping/>
+  </p:clrMapOvr>
+</p:sld>
+</file>
+
+<file path=ppt/slides/slide33.xml><?xml version="1.0" encoding="utf-8"?>
+<p:sld xmlns:a="http://schemas.openxmlformats.org/drawingml/2006/main" xmlns:r="http://schemas.openxmlformats.org/officeDocument/2006/relationships" xmlns:p="http://schemas.openxmlformats.org/presentationml/2006/main">
+  <p:cSld>
+    <p:spTree>
+      <p:nvGrpSpPr>
+        <p:cNvPr id="1" name="Shape 120"/>
+        <p:cNvGrpSpPr/>
+        <p:nvPr/>
+      </p:nvGrpSpPr>
+      <p:grpSpPr>
+        <a:xfrm>
+          <a:off x="0" y="0"/>
+          <a:ext cx="0" cy="0"/>
+          <a:chOff x="0" y="0"/>
+          <a:chExt cx="0" cy="0"/>
+        </a:xfrm>
+      </p:grpSpPr>
+      <p:sp>
+        <p:nvSpPr>
+          <p:cNvPr id="121" name="Google Shape;121;g133c1f20611_0_10"/>
+          <p:cNvSpPr txBox="1">
+            <a:spLocks noGrp="1"/>
+          </p:cNvSpPr>
+          <p:nvPr>
+            <p:ph type="title"/>
+          </p:nvPr>
+        </p:nvSpPr>
+        <p:spPr>
+          <a:xfrm>
+            <a:off x="311700" y="445025"/>
+            <a:ext cx="8520600" cy="572700"/>
+          </a:xfrm>
+          <a:prstGeom prst="rect">
+            <a:avLst/>
+          </a:prstGeom>
+          <a:noFill/>
+          <a:ln>
+            <a:noFill/>
+          </a:ln>
+        </p:spPr>
+        <p:txBody>
+          <a:bodyPr spcFirstLastPara="1" wrap="square" lIns="91425" tIns="91425" rIns="91425" bIns="91425" anchor="t" anchorCtr="0">
+            <a:noAutofit/>
+          </a:bodyPr>
+          <a:lstStyle/>
+          <a:p>
+            <a:r>
+              <a:rPr lang="en-US" dirty="0">
+                <a:solidFill>
+                  <a:srgbClr val="0070C0"/>
+                </a:solidFill>
+                <a:highlight>
+                  <a:srgbClr val="FFFF00"/>
+                </a:highlight>
+              </a:rPr>
+              <a:t>Models</a:t>
+            </a:r>
+            <a:endParaRPr dirty="0">
+              <a:highlight>
+                <a:srgbClr val="FFFF00"/>
+              </a:highlight>
+            </a:endParaRPr>
+          </a:p>
+        </p:txBody>
+      </p:sp>
+      <p:sp>
+        <p:nvSpPr>
+          <p:cNvPr id="2" name="Google Shape;122;g133c1f20611_0_10">
+            <a:extLst>
+              <a:ext uri="{FF2B5EF4-FFF2-40B4-BE49-F238E27FC236}">
+                <a16:creationId xmlns:a16="http://schemas.microsoft.com/office/drawing/2014/main" id="{4AEB22DA-6A87-CEF7-24FA-D3259EF61131}"/>
+              </a:ext>
+            </a:extLst>
+          </p:cNvPr>
+          <p:cNvSpPr txBox="1">
+            <a:spLocks noGrp="1"/>
+          </p:cNvSpPr>
+          <p:nvPr>
+            <p:ph type="body" idx="1"/>
+          </p:nvPr>
+        </p:nvSpPr>
+        <p:spPr>
+          <a:xfrm>
+            <a:off x="311700" y="1152475"/>
+            <a:ext cx="8520600" cy="3416400"/>
+          </a:xfrm>
+          <a:prstGeom prst="rect">
+            <a:avLst/>
+          </a:prstGeom>
+          <a:noFill/>
+          <a:ln>
+            <a:noFill/>
+          </a:ln>
+        </p:spPr>
+        <p:txBody>
+          <a:bodyPr spcFirstLastPara="1" wrap="square" lIns="91425" tIns="91425" rIns="91425" bIns="91425" anchor="t" anchorCtr="0">
+            <a:noAutofit/>
+          </a:bodyPr>
+          <a:lstStyle/>
+          <a:p>
+            <a:pPr>
+              <a:buFont typeface="Wingdings" panose="05000000000000000000" pitchFamily="2" charset="2"/>
+              <a:buChar char="§"/>
+            </a:pPr>
+            <a:r>
+              <a:rPr lang="en-US" sz="1400" dirty="0" err="1">
+                <a:solidFill>
+                  <a:schemeClr val="bg2"/>
+                </a:solidFill>
+                <a:latin typeface="Proxima Nova" panose="020B0604020202020204" charset="0"/>
+              </a:rPr>
+              <a:t>Aceto</a:t>
+            </a:r>
+            <a:r>
+              <a:rPr lang="en-US" sz="1400" dirty="0">
+                <a:solidFill>
+                  <a:schemeClr val="bg2"/>
+                </a:solidFill>
+                <a:latin typeface="Proxima Nova" panose="020B0604020202020204" charset="0"/>
+              </a:rPr>
+              <a:t> et al. [x] studied DL-based models for mobile traffic classification. They reproduced several DL classifiers, e.g., MLP, LSTM, CNN, and SAE, from the traffic classification literature in order to make a comprehensive evaluation for showing the accuracy of these classifiers.</a:t>
+            </a:r>
+          </a:p>
+          <a:p>
+            <a:pPr>
+              <a:buFont typeface="Wingdings" panose="05000000000000000000" pitchFamily="2" charset="2"/>
+              <a:buChar char="§"/>
+            </a:pPr>
+            <a:endParaRPr lang="en-US" sz="1400" dirty="0">
+              <a:solidFill>
+                <a:schemeClr val="bg2"/>
+              </a:solidFill>
+              <a:latin typeface="Proxima Nova" panose="020B0604020202020204" charset="0"/>
+            </a:endParaRPr>
+          </a:p>
+          <a:p>
+            <a:pPr>
+              <a:buFont typeface="Wingdings" panose="05000000000000000000" pitchFamily="2" charset="2"/>
+              <a:buChar char="§"/>
+            </a:pPr>
+            <a:r>
+              <a:rPr lang="en-US" sz="1400" dirty="0">
+                <a:solidFill>
+                  <a:schemeClr val="bg2"/>
+                </a:solidFill>
+                <a:latin typeface="Proxima Nova" panose="020B0604020202020204" charset="0"/>
+              </a:rPr>
+              <a:t>Among DL-based classifiers, the best performance is related to 1D-CNN with 76.37%/85.70% accuracy and the F-measure of 75.56%/78.78% on FB-FBM and Android dataset, respectively.</a:t>
+            </a:r>
+          </a:p>
+        </p:txBody>
+      </p:sp>
+      <p:sp>
+        <p:nvSpPr>
+          <p:cNvPr id="3" name="&quot;No&quot; Symbol 2">
+            <a:extLst>
+              <a:ext uri="{FF2B5EF4-FFF2-40B4-BE49-F238E27FC236}">
+                <a16:creationId xmlns:a16="http://schemas.microsoft.com/office/drawing/2014/main" id="{F17BCD48-AB94-EA90-4604-E8F51DFFB4C9}"/>
+              </a:ext>
+            </a:extLst>
+          </p:cNvPr>
+          <p:cNvSpPr/>
+          <p:nvPr/>
+        </p:nvSpPr>
+        <p:spPr>
+          <a:xfrm>
+            <a:off x="6126480" y="2979297"/>
+            <a:ext cx="1176662" cy="1011728"/>
+          </a:xfrm>
+          <a:prstGeom prst="noSmoking">
+            <a:avLst/>
+          </a:prstGeom>
+        </p:spPr>
+        <p:style>
+          <a:lnRef idx="2">
+            <a:schemeClr val="accent1">
+              <a:shade val="50000"/>
+            </a:schemeClr>
+          </a:lnRef>
+          <a:fillRef idx="1">
+            <a:schemeClr val="accent1"/>
+          </a:fillRef>
+          <a:effectRef idx="0">
+            <a:schemeClr val="accent1"/>
+          </a:effectRef>
+          <a:fontRef idx="minor">
+            <a:schemeClr val="lt1"/>
+          </a:fontRef>
+        </p:style>
+        <p:txBody>
+          <a:bodyPr rtlCol="0" anchor="ctr"/>
+          <a:lstStyle/>
+          <a:p>
+            <a:pPr algn="ctr"/>
+            <a:endParaRPr lang="en-US">
+              <a:solidFill>
+                <a:schemeClr val="tx1"/>
+              </a:solidFill>
+            </a:endParaRPr>
+          </a:p>
+        </p:txBody>
+      </p:sp>
+    </p:spTree>
+    <p:extLst>
+      <p:ext uri="{BB962C8B-B14F-4D97-AF65-F5344CB8AC3E}">
+        <p14:creationId xmlns:p14="http://schemas.microsoft.com/office/powerpoint/2010/main" val="1351287979"/>
+      </p:ext>
+    </p:extLst>
+  </p:cSld>
+  <p:clrMapOvr>
+    <a:masterClrMapping/>
+  </p:clrMapOvr>
+</p:sld>
+</file>
+
+<file path=ppt/slides/slide34.xml><?xml version="1.0" encoding="utf-8"?>
+<p:sld xmlns:a="http://schemas.openxmlformats.org/drawingml/2006/main" xmlns:r="http://schemas.openxmlformats.org/officeDocument/2006/relationships" xmlns:p="http://schemas.openxmlformats.org/presentationml/2006/main">
+  <p:cSld>
+    <p:spTree>
+      <p:nvGrpSpPr>
+        <p:cNvPr id="1" name="Shape 120"/>
+        <p:cNvGrpSpPr/>
+        <p:nvPr/>
+      </p:nvGrpSpPr>
+      <p:grpSpPr>
+        <a:xfrm>
+          <a:off x="0" y="0"/>
+          <a:ext cx="0" cy="0"/>
+          <a:chOff x="0" y="0"/>
+          <a:chExt cx="0" cy="0"/>
+        </a:xfrm>
+      </p:grpSpPr>
+      <p:sp>
+        <p:nvSpPr>
+          <p:cNvPr id="121" name="Google Shape;121;g133c1f20611_0_10"/>
+          <p:cNvSpPr txBox="1">
+            <a:spLocks noGrp="1"/>
+          </p:cNvSpPr>
+          <p:nvPr>
+            <p:ph type="title"/>
+          </p:nvPr>
+        </p:nvSpPr>
+        <p:spPr>
+          <a:xfrm>
+            <a:off x="311700" y="445025"/>
+            <a:ext cx="8520600" cy="572700"/>
+          </a:xfrm>
+          <a:prstGeom prst="rect">
+            <a:avLst/>
+          </a:prstGeom>
+          <a:noFill/>
+          <a:ln>
+            <a:noFill/>
+          </a:ln>
+        </p:spPr>
+        <p:txBody>
+          <a:bodyPr spcFirstLastPara="1" wrap="square" lIns="91425" tIns="91425" rIns="91425" bIns="91425" anchor="t" anchorCtr="0">
+            <a:noAutofit/>
+          </a:bodyPr>
+          <a:lstStyle/>
+          <a:p>
+            <a:r>
+              <a:rPr lang="en-US" dirty="0">
+                <a:solidFill>
+                  <a:srgbClr val="0070C0"/>
+                </a:solidFill>
+                <a:highlight>
+                  <a:srgbClr val="FFFF00"/>
+                </a:highlight>
+              </a:rPr>
+              <a:t>Models (industry)</a:t>
+            </a:r>
+            <a:endParaRPr dirty="0">
+              <a:highlight>
+                <a:srgbClr val="FFFF00"/>
+              </a:highlight>
+            </a:endParaRPr>
+          </a:p>
+        </p:txBody>
+      </p:sp>
+      <p:sp>
+        <p:nvSpPr>
+          <p:cNvPr id="2" name="Google Shape;122;g133c1f20611_0_10">
+            <a:extLst>
+              <a:ext uri="{FF2B5EF4-FFF2-40B4-BE49-F238E27FC236}">
+                <a16:creationId xmlns:a16="http://schemas.microsoft.com/office/drawing/2014/main" id="{4AEB22DA-6A87-CEF7-24FA-D3259EF61131}"/>
+              </a:ext>
+            </a:extLst>
+          </p:cNvPr>
+          <p:cNvSpPr txBox="1">
+            <a:spLocks noGrp="1"/>
+          </p:cNvSpPr>
+          <p:nvPr>
+            <p:ph type="body" idx="1"/>
+          </p:nvPr>
+        </p:nvSpPr>
+        <p:spPr>
+          <a:xfrm>
+            <a:off x="311700" y="1152475"/>
+            <a:ext cx="8520600" cy="3416400"/>
+          </a:xfrm>
+          <a:prstGeom prst="rect">
+            <a:avLst/>
+          </a:prstGeom>
+          <a:noFill/>
+          <a:ln>
+            <a:noFill/>
+          </a:ln>
+        </p:spPr>
+        <p:txBody>
+          <a:bodyPr spcFirstLastPara="1" wrap="square" lIns="91425" tIns="91425" rIns="91425" bIns="91425" anchor="t" anchorCtr="0">
+            <a:noAutofit/>
+          </a:bodyPr>
+          <a:lstStyle/>
+          <a:p>
+            <a:pPr>
+              <a:buFont typeface="Wingdings" panose="05000000000000000000" pitchFamily="2" charset="2"/>
+              <a:buChar char="§"/>
+            </a:pPr>
+            <a:r>
+              <a:rPr lang="en-US" sz="1000" dirty="0">
+                <a:solidFill>
+                  <a:schemeClr val="bg2"/>
+                </a:solidFill>
+                <a:latin typeface="Proxima Nova" panose="020B0604020202020204" charset="0"/>
+                <a:hlinkClick r:id="rId3"/>
+              </a:rPr>
+              <a:t>https://www.nature.com/articles/s41598-019-47765-6</a:t>
+            </a:r>
+            <a:endParaRPr lang="en-US" sz="1000" dirty="0">
+              <a:solidFill>
+                <a:schemeClr val="bg2"/>
+              </a:solidFill>
+              <a:latin typeface="Proxima Nova" panose="020B0604020202020204" charset="0"/>
+            </a:endParaRPr>
+          </a:p>
+          <a:p>
+            <a:pPr>
+              <a:buFont typeface="Wingdings" panose="05000000000000000000" pitchFamily="2" charset="2"/>
+              <a:buChar char="§"/>
+            </a:pPr>
+            <a:endParaRPr lang="en-US" sz="1000" dirty="0">
+              <a:solidFill>
+                <a:schemeClr val="bg2"/>
+              </a:solidFill>
+              <a:latin typeface="Proxima Nova" panose="020B0604020202020204" charset="0"/>
+            </a:endParaRPr>
+          </a:p>
+          <a:p>
+            <a:pPr>
+              <a:buFont typeface="Wingdings" panose="05000000000000000000" pitchFamily="2" charset="2"/>
+              <a:buChar char="§"/>
+            </a:pPr>
+            <a:r>
+              <a:rPr lang="en-US" sz="1000" dirty="0">
+                <a:solidFill>
+                  <a:schemeClr val="bg2"/>
+                </a:solidFill>
+                <a:latin typeface="Proxima Nova" panose="020B0604020202020204" charset="0"/>
+              </a:rPr>
+              <a:t>As mentioned, one of the main advantages of CNNs compared to conventional neural networks is the automatic detection of the important features and hierarchical feature extraction. A simple CNN model proposed in [93] for the categorization of encrypted traffic. This paper is one of the first works leveraging CNNs in the context of traffic classification, in which encrypted traffic is transformed into two-dimensional images, and then the images fed into the CNN model to be classified.</a:t>
+            </a:r>
+          </a:p>
+          <a:p>
+            <a:pPr marL="107948" indent="0">
+              <a:buNone/>
+            </a:pPr>
+            <a:endParaRPr lang="en-US" sz="1000" dirty="0">
+              <a:solidFill>
+                <a:schemeClr val="bg2"/>
+              </a:solidFill>
+              <a:latin typeface="Proxima Nova" panose="020B0604020202020204" charset="0"/>
+            </a:endParaRPr>
+          </a:p>
+        </p:txBody>
+      </p:sp>
+      <p:sp>
+        <p:nvSpPr>
+          <p:cNvPr id="3" name="&quot;No&quot; Symbol 2">
+            <a:extLst>
+              <a:ext uri="{FF2B5EF4-FFF2-40B4-BE49-F238E27FC236}">
+                <a16:creationId xmlns:a16="http://schemas.microsoft.com/office/drawing/2014/main" id="{A914ADFC-26D0-A892-E32D-3E80365321D2}"/>
+              </a:ext>
+            </a:extLst>
+          </p:cNvPr>
+          <p:cNvSpPr/>
+          <p:nvPr/>
+        </p:nvSpPr>
+        <p:spPr>
+          <a:xfrm>
+            <a:off x="7473143" y="3125585"/>
+            <a:ext cx="1259789" cy="1360863"/>
+          </a:xfrm>
+          <a:prstGeom prst="noSmoking">
+            <a:avLst/>
+          </a:prstGeom>
+        </p:spPr>
+        <p:style>
+          <a:lnRef idx="2">
+            <a:schemeClr val="accent1">
+              <a:shade val="50000"/>
+            </a:schemeClr>
+          </a:lnRef>
+          <a:fillRef idx="1">
+            <a:schemeClr val="accent1"/>
+          </a:fillRef>
+          <a:effectRef idx="0">
+            <a:schemeClr val="accent1"/>
+          </a:effectRef>
+          <a:fontRef idx="minor">
+            <a:schemeClr val="lt1"/>
+          </a:fontRef>
+        </p:style>
+        <p:txBody>
+          <a:bodyPr rtlCol="0" anchor="ctr"/>
+          <a:lstStyle/>
+          <a:p>
+            <a:pPr algn="ctr"/>
+            <a:endParaRPr lang="en-US">
+              <a:solidFill>
+                <a:schemeClr val="tx1"/>
+              </a:solidFill>
+            </a:endParaRPr>
+          </a:p>
+        </p:txBody>
+      </p:sp>
+    </p:spTree>
+    <p:extLst>
+      <p:ext uri="{BB962C8B-B14F-4D97-AF65-F5344CB8AC3E}">
+        <p14:creationId xmlns:p14="http://schemas.microsoft.com/office/powerpoint/2010/main" val="2325453369"/>
+      </p:ext>
+    </p:extLst>
+  </p:cSld>
+  <p:clrMapOvr>
+    <a:masterClrMapping/>
+  </p:clrMapOvr>
+</p:sld>
+</file>
+
+<file path=ppt/slides/slide35.xml><?xml version="1.0" encoding="utf-8"?>
+<p:sld xmlns:a="http://schemas.openxmlformats.org/drawingml/2006/main" xmlns:r="http://schemas.openxmlformats.org/officeDocument/2006/relationships" xmlns:p="http://schemas.openxmlformats.org/presentationml/2006/main">
+  <p:cSld>
+    <p:spTree>
+      <p:nvGrpSpPr>
+        <p:cNvPr id="1" name="Shape 120"/>
+        <p:cNvGrpSpPr/>
+        <p:nvPr/>
+      </p:nvGrpSpPr>
+      <p:grpSpPr>
+        <a:xfrm>
+          <a:off x="0" y="0"/>
+          <a:ext cx="0" cy="0"/>
+          <a:chOff x="0" y="0"/>
+          <a:chExt cx="0" cy="0"/>
+        </a:xfrm>
+      </p:grpSpPr>
+      <p:sp>
+        <p:nvSpPr>
+          <p:cNvPr id="121" name="Google Shape;121;g133c1f20611_0_10"/>
+          <p:cNvSpPr txBox="1">
+            <a:spLocks noGrp="1"/>
+          </p:cNvSpPr>
+          <p:nvPr>
+            <p:ph type="title"/>
+          </p:nvPr>
+        </p:nvSpPr>
+        <p:spPr>
+          <a:xfrm>
+            <a:off x="311700" y="445025"/>
+            <a:ext cx="8520600" cy="572700"/>
+          </a:xfrm>
+          <a:prstGeom prst="rect">
+            <a:avLst/>
+          </a:prstGeom>
+          <a:noFill/>
+          <a:ln>
+            <a:noFill/>
+          </a:ln>
+        </p:spPr>
+        <p:txBody>
+          <a:bodyPr spcFirstLastPara="1" wrap="square" lIns="91425" tIns="91425" rIns="91425" bIns="91425" anchor="t" anchorCtr="0">
+            <a:noAutofit/>
+          </a:bodyPr>
+          <a:lstStyle/>
+          <a:p>
+            <a:r>
               <a:rPr lang="en-US" dirty="0">
                 <a:solidFill>
                   <a:srgbClr val="0070C0"/>
@@ -20850,7 +21940,7 @@
 </p:sld>
 </file>
 
-<file path=ppt/slides/slide33.xml><?xml version="1.0" encoding="utf-8"?>
+<file path=ppt/slides/slide36.xml><?xml version="1.0" encoding="utf-8"?>
 <p:sld xmlns:a="http://schemas.openxmlformats.org/drawingml/2006/main" xmlns:r="http://schemas.openxmlformats.org/officeDocument/2006/relationships" xmlns:p="http://schemas.openxmlformats.org/presentationml/2006/main">
   <p:cSld>
     <p:spTree>
@@ -21008,7 +22098,7 @@
 </p:sld>
 </file>
 
-<file path=ppt/slides/slide34.xml><?xml version="1.0" encoding="utf-8"?>
+<file path=ppt/slides/slide37.xml><?xml version="1.0" encoding="utf-8"?>
 <p:sld xmlns:a="http://schemas.openxmlformats.org/drawingml/2006/main" xmlns:r="http://schemas.openxmlformats.org/officeDocument/2006/relationships" xmlns:p="http://schemas.openxmlformats.org/presentationml/2006/main">
   <p:cSld>
     <p:spTree>
@@ -21204,7 +22294,7 @@
 </p:sld>
 </file>
 
-<file path=ppt/slides/slide35.xml><?xml version="1.0" encoding="utf-8"?>
+<file path=ppt/slides/slide38.xml><?xml version="1.0" encoding="utf-8"?>
 <p:sld xmlns:a="http://schemas.openxmlformats.org/drawingml/2006/main" xmlns:r="http://schemas.openxmlformats.org/officeDocument/2006/relationships" xmlns:p="http://schemas.openxmlformats.org/presentationml/2006/main">
   <p:cSld>
     <p:spTree>
@@ -21779,7 +22869,7 @@
                 <a:ea typeface="Arial" panose="020B0604020202020204" pitchFamily="34" charset="0"/>
                 <a:cs typeface="Arial" panose="020B0604020202020204" pitchFamily="34" charset="0"/>
               </a:rPr>
-              <a:t>etection alarm system that can provide rapid identification of potential intrusions.  </a:t>
+              <a:t>etection alarm system that can provide rapid identification of intrusions.  </a:t>
             </a:r>
           </a:p>
           <a:p>

--- a/network-analytics-final/powerpoint/Network Analysis - MLE Capstone Presentation_v07.pptx
+++ b/network-analytics-final/powerpoint/Network Analysis - MLE Capstone Presentation_v07.pptx
@@ -344,7 +344,7 @@
       </p15:notesGuideLst>
     </p:ext>
     <p:ext uri="http://customooxmlschemas.google.com/">
-      <go:slidesCustomData xmlns:go="http://customooxmlschemas.google.com/" xmlns:ahyp="http://schemas.microsoft.com/office/drawing/2018/hyperlinkcolor" xmlns:p15="http://schemas.microsoft.com/office/powerpoint/2012/main" xmlns:p14="http://schemas.microsoft.com/office/powerpoint/2010/main" xmlns:com="http://schemas.openxmlformats.org/drawingml/2006/compatibility" xmlns:pvml="urn:schemas-microsoft-com:office:powerpoint" xmlns:v="urn:schemas-microsoft-com:vml" xmlns:o="urn:schemas-microsoft-com:office:office" xmlns:dgm="http://schemas.openxmlformats.org/drawingml/2006/diagram" xmlns:c="http://schemas.openxmlformats.org/drawingml/2006/chart" xmlns:mv="urn:schemas-microsoft-com:mac:vml" xmlns:mc="http://schemas.openxmlformats.org/markup-compatibility/2006" xmlns="" r:id="rId56" roundtripDataSignature="AMtx7miYcyAUIkQHKs4Ne0oM4jMUNFjmHA=="/>
+      <go:slidesCustomData xmlns="" xmlns:mc="http://schemas.openxmlformats.org/markup-compatibility/2006" xmlns:mv="urn:schemas-microsoft-com:mac:vml" xmlns:c="http://schemas.openxmlformats.org/drawingml/2006/chart" xmlns:dgm="http://schemas.openxmlformats.org/drawingml/2006/diagram" xmlns:o="urn:schemas-microsoft-com:office:office" xmlns:v="urn:schemas-microsoft-com:vml" xmlns:pvml="urn:schemas-microsoft-com:office:powerpoint" xmlns:com="http://schemas.openxmlformats.org/drawingml/2006/compatibility" xmlns:p14="http://schemas.microsoft.com/office/powerpoint/2010/main" xmlns:p15="http://schemas.microsoft.com/office/powerpoint/2012/main" xmlns:ahyp="http://schemas.microsoft.com/office/drawing/2018/hyperlinkcolor" xmlns:go="http://customooxmlschemas.google.com/" r:id="rId56" roundtripDataSignature="AMtx7miYcyAUIkQHKs4Ne0oM4jMUNFjmHA=="/>
     </p:ext>
   </p:extLst>
 </p:presentation>
@@ -13670,7 +13670,7 @@
                   <a:srgbClr val="0070C0"/>
                 </a:solidFill>
               </a:rPr>
-              <a:t>The demo we have deployed, tries to replicates the end user’s experience with our application.</a:t>
+              <a:t>The demo we have deployed, replicates the end user’s experience with our application.</a:t>
             </a:r>
           </a:p>
           <a:p>
@@ -13681,62 +13681,6 @@
             </a:endParaRPr>
           </a:p>
           <a:p>
-            <a:r>
-              <a:rPr lang="en-US" dirty="0">
-                <a:solidFill>
-                  <a:srgbClr val="0070C0"/>
-                </a:solidFill>
-              </a:rPr>
-              <a:t>The client receives an alert that a network attack is on-going:</a:t>
-            </a:r>
-          </a:p>
-          <a:p>
-            <a:pPr marL="285750" lvl="2" indent="-285750">
-              <a:buFont typeface="Courier New" panose="02070309020205020404" pitchFamily="49" charset="0"/>
-              <a:buChar char="o"/>
-            </a:pPr>
-            <a:r>
-              <a:rPr lang="en-US" dirty="0">
-                <a:solidFill>
-                  <a:srgbClr val="0070C0"/>
-                </a:solidFill>
-              </a:rPr>
-              <a:t>Email to network engineers / network administrators,</a:t>
-            </a:r>
-          </a:p>
-          <a:p>
-            <a:pPr marL="285750" lvl="2" indent="-285750">
-              <a:buFont typeface="Courier New" panose="02070309020205020404" pitchFamily="49" charset="0"/>
-              <a:buChar char="o"/>
-            </a:pPr>
-            <a:r>
-              <a:rPr lang="en-US" dirty="0">
-                <a:solidFill>
-                  <a:srgbClr val="0070C0"/>
-                </a:solidFill>
-              </a:rPr>
-              <a:t>Alert on a dashboard and, potentially</a:t>
-            </a:r>
-          </a:p>
-          <a:p>
-            <a:pPr marL="285750" lvl="2" indent="-285750">
-              <a:buFont typeface="Courier New" panose="02070309020205020404" pitchFamily="49" charset="0"/>
-              <a:buChar char="o"/>
-            </a:pPr>
-            <a:r>
-              <a:rPr lang="en-US" dirty="0">
-                <a:solidFill>
-                  <a:srgbClr val="0070C0"/>
-                </a:solidFill>
-              </a:rPr>
-              <a:t>Some automated measures to reduce impact of attack.</a:t>
-            </a:r>
-          </a:p>
-          <a:p>
-            <a:pPr marL="285750" lvl="2" indent="-285750">
-              <a:buFont typeface="Courier New" panose="02070309020205020404" pitchFamily="49" charset="0"/>
-              <a:buChar char="o"/>
-            </a:pPr>
             <a:endParaRPr lang="en-US" dirty="0">
               <a:solidFill>
                 <a:srgbClr val="0070C0"/>
@@ -13744,6 +13688,104 @@
             </a:endParaRPr>
           </a:p>
           <a:p>
+            <a:endParaRPr lang="en-US" dirty="0">
+              <a:solidFill>
+                <a:srgbClr val="0070C0"/>
+              </a:solidFill>
+            </a:endParaRPr>
+          </a:p>
+          <a:p>
+            <a:endParaRPr lang="en-US" dirty="0">
+              <a:solidFill>
+                <a:srgbClr val="0070C0"/>
+              </a:solidFill>
+            </a:endParaRPr>
+          </a:p>
+          <a:p>
+            <a:endParaRPr lang="en-US" dirty="0">
+              <a:solidFill>
+                <a:srgbClr val="0070C0"/>
+              </a:solidFill>
+            </a:endParaRPr>
+          </a:p>
+          <a:p>
+            <a:endParaRPr lang="en-US" dirty="0">
+              <a:solidFill>
+                <a:srgbClr val="0070C0"/>
+              </a:solidFill>
+            </a:endParaRPr>
+          </a:p>
+          <a:p>
+            <a:endParaRPr lang="en-US" dirty="0">
+              <a:solidFill>
+                <a:srgbClr val="0070C0"/>
+              </a:solidFill>
+            </a:endParaRPr>
+          </a:p>
+          <a:p>
+            <a:r>
+              <a:rPr lang="en-US" dirty="0">
+                <a:solidFill>
+                  <a:srgbClr val="0070C0"/>
+                </a:solidFill>
+              </a:rPr>
+              <a:t>The client receives an alert that a network attack is on-going:</a:t>
+            </a:r>
+          </a:p>
+          <a:p>
+            <a:pPr marL="285750" lvl="2" indent="-285750">
+              <a:buFont typeface="Courier New" panose="02070309020205020404" pitchFamily="49" charset="0"/>
+              <a:buChar char="o"/>
+            </a:pPr>
+            <a:r>
+              <a:rPr lang="en-US" dirty="0">
+                <a:solidFill>
+                  <a:srgbClr val="0070C0"/>
+                </a:solidFill>
+              </a:rPr>
+              <a:t>Email to network engineers / network administrators,</a:t>
+            </a:r>
+          </a:p>
+          <a:p>
+            <a:pPr marL="285750" lvl="2" indent="-285750">
+              <a:buFont typeface="Courier New" panose="02070309020205020404" pitchFamily="49" charset="0"/>
+              <a:buChar char="o"/>
+            </a:pPr>
+            <a:r>
+              <a:rPr lang="en-US" dirty="0">
+                <a:solidFill>
+                  <a:srgbClr val="0070C0"/>
+                </a:solidFill>
+              </a:rPr>
+              <a:t>Alert on a dashboard and, potentially</a:t>
+            </a:r>
+          </a:p>
+          <a:p>
+            <a:pPr marL="285750" lvl="2" indent="-285750">
+              <a:buFont typeface="Courier New" panose="02070309020205020404" pitchFamily="49" charset="0"/>
+              <a:buChar char="o"/>
+            </a:pPr>
+            <a:r>
+              <a:rPr lang="en-US" dirty="0">
+                <a:solidFill>
+                  <a:srgbClr val="0070C0"/>
+                </a:solidFill>
+              </a:rPr>
+              <a:t>Some automated measures to reduce impact of attack.</a:t>
+            </a:r>
+          </a:p>
+          <a:p>
+            <a:pPr marL="285750" lvl="2" indent="-285750">
+              <a:buFont typeface="Courier New" panose="02070309020205020404" pitchFamily="49" charset="0"/>
+              <a:buChar char="o"/>
+            </a:pPr>
+            <a:endParaRPr lang="en-US" dirty="0">
+              <a:solidFill>
+                <a:srgbClr val="0070C0"/>
+              </a:solidFill>
+            </a:endParaRPr>
+          </a:p>
+          <a:p>
             <a:pPr lvl="2"/>
             <a:r>
               <a:rPr lang="en-US" dirty="0">
@@ -13752,6 +13794,59 @@
                 </a:solidFill>
               </a:rPr>
               <a:t>The client not only receives the alert, but also a description of the type of attack.</a:t>
+            </a:r>
+          </a:p>
+        </p:txBody>
+      </p:sp>
+      <p:sp>
+        <p:nvSpPr>
+          <p:cNvPr id="3" name="Rectangle 2">
+            <a:extLst>
+              <a:ext uri="{FF2B5EF4-FFF2-40B4-BE49-F238E27FC236}">
+                <a16:creationId xmlns:a16="http://schemas.microsoft.com/office/drawing/2014/main" id="{CC1A3047-953D-E55D-D22A-265417B1DE80}"/>
+              </a:ext>
+            </a:extLst>
+          </p:cNvPr>
+          <p:cNvSpPr/>
+          <p:nvPr/>
+        </p:nvSpPr>
+        <p:spPr>
+          <a:xfrm>
+            <a:off x="738231" y="1862356"/>
+            <a:ext cx="6769916" cy="1140903"/>
+          </a:xfrm>
+          <a:prstGeom prst="rect">
+            <a:avLst/>
+          </a:prstGeom>
+        </p:spPr>
+        <p:style>
+          <a:lnRef idx="2">
+            <a:schemeClr val="accent1">
+              <a:shade val="50000"/>
+            </a:schemeClr>
+          </a:lnRef>
+          <a:fillRef idx="1">
+            <a:schemeClr val="accent1"/>
+          </a:fillRef>
+          <a:effectRef idx="0">
+            <a:schemeClr val="accent1"/>
+          </a:effectRef>
+          <a:fontRef idx="minor">
+            <a:schemeClr val="lt1"/>
+          </a:fontRef>
+        </p:style>
+        <p:txBody>
+          <a:bodyPr rtlCol="0" anchor="ctr"/>
+          <a:lstStyle/>
+          <a:p>
+            <a:pPr algn="ctr"/>
+            <a:r>
+              <a:rPr lang="en-US" dirty="0"/>
+              <a:t>Include Capture of </a:t>
+            </a:r>
+            <a:r>
+              <a:rPr lang="en-US"/>
+              <a:t>our Working Demo here</a:t>
             </a:r>
           </a:p>
         </p:txBody>
@@ -24005,7 +24100,7 @@
                 <a:latin typeface="Arial" panose="020B0604020202020204" pitchFamily="34" charset="0"/>
                 <a:cs typeface="Arial" panose="020B0604020202020204" pitchFamily="34" charset="0"/>
               </a:rPr>
-              <a:t>XGBC is s a decision tree ensembled learning algorithm similar to random forest.</a:t>
+              <a:t>XGBC is s a decision tree ensembled learning algorithm similar to a random forest.</a:t>
             </a:r>
           </a:p>
         </p:txBody>
